--- a/Research/Map of python files.pptx
+++ b/Research/Map of python files.pptx
@@ -104,7 +104,105 @@
       </a:defRPr>
     </a:lvl9pPr>
   </p:defaultTextStyle>
+  <p:extLst>
+    <p:ext uri="{EFAFB233-063F-42B5-8137-9DF3F51BA10A}">
+      <p15:sldGuideLst xmlns:p15="http://schemas.microsoft.com/office/powerpoint/2012/main"/>
+    </p:ext>
+  </p:extLst>
 </p:presentation>
+</file>
+
+<file path=ppt/revisionInfo.xml><?xml version="1.0" encoding="utf-8"?>
+<p1510:revInfo xmlns:a="http://schemas.openxmlformats.org/drawingml/2006/main" xmlns:r="http://schemas.openxmlformats.org/officeDocument/2006/relationships" xmlns:p1510="http://schemas.microsoft.com/office/powerpoint/2015/10/main">
+  <p1510:revLst>
+    <p1510:client id="{6EB533CF-01B0-4F11-94C8-C0646E3623EB}" v="2" dt="2022-07-29T12:35:09.599"/>
+  </p1510:revLst>
+</p1510:revInfo>
+</file>
+
+<file path=ppt/changesInfos/changesInfo1.xml><?xml version="1.0" encoding="utf-8"?>
+<pc:chgInfo xmlns:a="http://schemas.openxmlformats.org/drawingml/2006/main" xmlns:r="http://schemas.openxmlformats.org/officeDocument/2006/relationships" xmlns:ac="http://schemas.microsoft.com/office/drawing/2013/main/command" xmlns:pc="http://schemas.microsoft.com/office/powerpoint/2013/main/command">
+  <pc:docChgLst>
+    <pc:chgData name="Jessica Kan" userId="7c9de672-68ab-4f43-bdb2-1bf26d403b8e" providerId="ADAL" clId="{6EB533CF-01B0-4F11-94C8-C0646E3623EB}"/>
+    <pc:docChg chg="modSld">
+      <pc:chgData name="Jessica Kan" userId="7c9de672-68ab-4f43-bdb2-1bf26d403b8e" providerId="ADAL" clId="{6EB533CF-01B0-4F11-94C8-C0646E3623EB}" dt="2022-07-29T12:36:01.005" v="33" actId="14100"/>
+      <pc:docMkLst>
+        <pc:docMk/>
+      </pc:docMkLst>
+      <pc:sldChg chg="addSp modSp mod">
+        <pc:chgData name="Jessica Kan" userId="7c9de672-68ab-4f43-bdb2-1bf26d403b8e" providerId="ADAL" clId="{6EB533CF-01B0-4F11-94C8-C0646E3623EB}" dt="2022-07-29T12:36:01.005" v="33" actId="14100"/>
+        <pc:sldMkLst>
+          <pc:docMk/>
+          <pc:sldMk cId="3799687021" sldId="256"/>
+        </pc:sldMkLst>
+        <pc:spChg chg="mod">
+          <ac:chgData name="Jessica Kan" userId="7c9de672-68ab-4f43-bdb2-1bf26d403b8e" providerId="ADAL" clId="{6EB533CF-01B0-4F11-94C8-C0646E3623EB}" dt="2022-07-29T12:34:52.784" v="0" actId="1076"/>
+          <ac:spMkLst>
+            <pc:docMk/>
+            <pc:sldMk cId="3799687021" sldId="256"/>
+            <ac:spMk id="5" creationId="{FE9E8CA4-CC64-A55C-66B4-768E486A8FD7}"/>
+          </ac:spMkLst>
+        </pc:spChg>
+        <pc:spChg chg="mod">
+          <ac:chgData name="Jessica Kan" userId="7c9de672-68ab-4f43-bdb2-1bf26d403b8e" providerId="ADAL" clId="{6EB533CF-01B0-4F11-94C8-C0646E3623EB}" dt="2022-07-29T12:34:56.126" v="1" actId="1076"/>
+          <ac:spMkLst>
+            <pc:docMk/>
+            <pc:sldMk cId="3799687021" sldId="256"/>
+            <ac:spMk id="6" creationId="{75F62229-5680-87F6-E9C8-EA41CF615C96}"/>
+          </ac:spMkLst>
+        </pc:spChg>
+        <pc:spChg chg="mod">
+          <ac:chgData name="Jessica Kan" userId="7c9de672-68ab-4f43-bdb2-1bf26d403b8e" providerId="ADAL" clId="{6EB533CF-01B0-4F11-94C8-C0646E3623EB}" dt="2022-07-29T12:35:52.588" v="30" actId="1076"/>
+          <ac:spMkLst>
+            <pc:docMk/>
+            <pc:sldMk cId="3799687021" sldId="256"/>
+            <ac:spMk id="7" creationId="{6674BCF2-125E-9DE7-96C4-EF08EC75FE27}"/>
+          </ac:spMkLst>
+        </pc:spChg>
+        <pc:spChg chg="add mod">
+          <ac:chgData name="Jessica Kan" userId="7c9de672-68ab-4f43-bdb2-1bf26d403b8e" providerId="ADAL" clId="{6EB533CF-01B0-4F11-94C8-C0646E3623EB}" dt="2022-07-29T12:35:23.510" v="25" actId="20577"/>
+          <ac:spMkLst>
+            <pc:docMk/>
+            <pc:sldMk cId="3799687021" sldId="256"/>
+            <ac:spMk id="19" creationId="{1399C04A-2E22-EB56-4D6D-FC469DE76C4A}"/>
+          </ac:spMkLst>
+        </pc:spChg>
+        <pc:cxnChg chg="add mod">
+          <ac:chgData name="Jessica Kan" userId="7c9de672-68ab-4f43-bdb2-1bf26d403b8e" providerId="ADAL" clId="{6EB533CF-01B0-4F11-94C8-C0646E3623EB}" dt="2022-07-29T12:35:04.501" v="5" actId="14100"/>
+          <ac:cxnSpMkLst>
+            <pc:docMk/>
+            <pc:sldMk cId="3799687021" sldId="256"/>
+            <ac:cxnSpMk id="14" creationId="{3B91027B-FDB6-C4EA-CA82-55377A45E0C8}"/>
+          </ac:cxnSpMkLst>
+        </pc:cxnChg>
+        <pc:cxnChg chg="mod">
+          <ac:chgData name="Jessica Kan" userId="7c9de672-68ab-4f43-bdb2-1bf26d403b8e" providerId="ADAL" clId="{6EB533CF-01B0-4F11-94C8-C0646E3623EB}" dt="2022-07-29T12:35:08.052" v="7" actId="1076"/>
+          <ac:cxnSpMkLst>
+            <pc:docMk/>
+            <pc:sldMk cId="3799687021" sldId="256"/>
+            <ac:cxnSpMk id="17" creationId="{D9D334CC-3BB0-E8C0-09CC-E0094A6ED448}"/>
+          </ac:cxnSpMkLst>
+        </pc:cxnChg>
+        <pc:cxnChg chg="mod">
+          <ac:chgData name="Jessica Kan" userId="7c9de672-68ab-4f43-bdb2-1bf26d403b8e" providerId="ADAL" clId="{6EB533CF-01B0-4F11-94C8-C0646E3623EB}" dt="2022-07-29T12:36:01.005" v="33" actId="14100"/>
+          <ac:cxnSpMkLst>
+            <pc:docMk/>
+            <pc:sldMk cId="3799687021" sldId="256"/>
+            <ac:cxnSpMk id="18" creationId="{1594D8F2-290F-2E7E-0D53-35D7B6715998}"/>
+          </ac:cxnSpMkLst>
+        </pc:cxnChg>
+        <pc:cxnChg chg="mod">
+          <ac:chgData name="Jessica Kan" userId="7c9de672-68ab-4f43-bdb2-1bf26d403b8e" providerId="ADAL" clId="{6EB533CF-01B0-4F11-94C8-C0646E3623EB}" dt="2022-07-29T12:35:38.413" v="29" actId="14100"/>
+          <ac:cxnSpMkLst>
+            <pc:docMk/>
+            <pc:sldMk cId="3799687021" sldId="256"/>
+            <ac:cxnSpMk id="28" creationId="{BFEC18A4-27F7-6919-91C2-8203BE172189}"/>
+          </ac:cxnSpMkLst>
+        </pc:cxnChg>
+      </pc:sldChg>
+    </pc:docChg>
+  </pc:docChgLst>
+</pc:chgInfo>
 </file>
 
 <file path=ppt/slideLayouts/slideLayout1.xml><?xml version="1.0" encoding="utf-8"?>
@@ -3397,7 +3495,7 @@
         </p:nvSpPr>
         <p:spPr>
           <a:xfrm>
-            <a:off x="1797696" y="1785258"/>
+            <a:off x="1797696" y="394997"/>
             <a:ext cx="2015413" cy="408623"/>
           </a:xfrm>
           <a:prstGeom prst="roundRect">
@@ -3439,7 +3537,7 @@
         </p:nvSpPr>
         <p:spPr>
           <a:xfrm>
-            <a:off x="1797696" y="3355911"/>
+            <a:off x="1797696" y="1791846"/>
             <a:ext cx="2015413" cy="408623"/>
           </a:xfrm>
           <a:prstGeom prst="roundRect">
@@ -3481,7 +3579,7 @@
         </p:nvSpPr>
         <p:spPr>
           <a:xfrm>
-            <a:off x="5088292" y="3355911"/>
+            <a:off x="5088293" y="3279519"/>
             <a:ext cx="2015413" cy="408623"/>
           </a:xfrm>
           <a:prstGeom prst="roundRect">
@@ -3502,10 +3600,9 @@
           <a:p>
             <a:pPr algn="ctr"/>
             <a:r>
-              <a:rPr lang="en-GB" dirty="0" err="1"/>
-              <a:t>UserConnection</a:t>
-            </a:r>
-            <a:endParaRPr lang="en-GB" dirty="0"/>
+              <a:rPr lang="en-GB" dirty="0"/>
+              <a:t>User</a:t>
+            </a:r>
           </a:p>
         </p:txBody>
       </p:sp>
@@ -3607,8 +3704,8 @@
         </p:nvCxnSpPr>
         <p:spPr>
           <a:xfrm>
-            <a:off x="2805402" y="2268596"/>
-            <a:ext cx="0" cy="921215"/>
+            <a:off x="2802290" y="2379934"/>
+            <a:ext cx="0" cy="698538"/>
           </a:xfrm>
           <a:prstGeom prst="straightConnector1">
             <a:avLst/>
@@ -3651,8 +3748,8 @@
         </p:nvCxnSpPr>
         <p:spPr>
           <a:xfrm>
-            <a:off x="2805402" y="3940628"/>
-            <a:ext cx="1934549" cy="967274"/>
+            <a:off x="3943736" y="2015228"/>
+            <a:ext cx="1953211" cy="1145170"/>
           </a:xfrm>
           <a:prstGeom prst="straightConnector1">
             <a:avLst/>
@@ -3820,13 +3917,15 @@
               </a:ext>
             </a:extLst>
           </p:cNvPr>
-          <p:cNvCxnSpPr/>
+          <p:cNvCxnSpPr>
+            <a:cxnSpLocks/>
+          </p:cNvCxnSpPr>
           <p:nvPr/>
         </p:nvCxnSpPr>
         <p:spPr>
           <a:xfrm>
-            <a:off x="4077478" y="3560222"/>
-            <a:ext cx="662473" cy="0"/>
+            <a:off x="2802289" y="3764534"/>
+            <a:ext cx="2108722" cy="1348642"/>
           </a:xfrm>
           <a:prstGeom prst="straightConnector1">
             <a:avLst/>
@@ -3853,6 +3952,91 @@
           </a:fontRef>
         </p:style>
       </p:cxnSp>
+      <p:cxnSp>
+        <p:nvCxnSpPr>
+          <p:cNvPr id="14" name="Straight Arrow Connector 13">
+            <a:extLst>
+              <a:ext uri="{FF2B5EF4-FFF2-40B4-BE49-F238E27FC236}">
+                <a16:creationId xmlns:a16="http://schemas.microsoft.com/office/drawing/2014/main" id="{3B91027B-FDB6-C4EA-CA82-55377A45E0C8}"/>
+              </a:ext>
+            </a:extLst>
+          </p:cNvPr>
+          <p:cNvCxnSpPr>
+            <a:cxnSpLocks/>
+          </p:cNvCxnSpPr>
+          <p:nvPr/>
+        </p:nvCxnSpPr>
+        <p:spPr>
+          <a:xfrm>
+            <a:off x="2805402" y="979714"/>
+            <a:ext cx="0" cy="653143"/>
+          </a:xfrm>
+          <a:prstGeom prst="straightConnector1">
+            <a:avLst/>
+          </a:prstGeom>
+          <a:ln>
+            <a:solidFill>
+              <a:schemeClr val="tx1"/>
+            </a:solidFill>
+            <a:tailEnd type="triangle"/>
+          </a:ln>
+        </p:spPr>
+        <p:style>
+          <a:lnRef idx="1">
+            <a:schemeClr val="accent1"/>
+          </a:lnRef>
+          <a:fillRef idx="0">
+            <a:schemeClr val="accent1"/>
+          </a:fillRef>
+          <a:effectRef idx="0">
+            <a:schemeClr val="accent1"/>
+          </a:effectRef>
+          <a:fontRef idx="minor">
+            <a:schemeClr val="tx1"/>
+          </a:fontRef>
+        </p:style>
+      </p:cxnSp>
+      <p:sp>
+        <p:nvSpPr>
+          <p:cNvPr id="19" name="TextBox 18">
+            <a:extLst>
+              <a:ext uri="{FF2B5EF4-FFF2-40B4-BE49-F238E27FC236}">
+                <a16:creationId xmlns:a16="http://schemas.microsoft.com/office/drawing/2014/main" id="{1399C04A-2E22-EB56-4D6D-FC469DE76C4A}"/>
+              </a:ext>
+            </a:extLst>
+          </p:cNvPr>
+          <p:cNvSpPr txBox="1"/>
+          <p:nvPr/>
+        </p:nvSpPr>
+        <p:spPr>
+          <a:xfrm>
+            <a:off x="1794583" y="3254565"/>
+            <a:ext cx="2015413" cy="408623"/>
+          </a:xfrm>
+          <a:prstGeom prst="roundRect">
+            <a:avLst/>
+          </a:prstGeom>
+          <a:noFill/>
+          <a:ln>
+            <a:solidFill>
+              <a:schemeClr val="tx1"/>
+            </a:solidFill>
+          </a:ln>
+        </p:spPr>
+        <p:txBody>
+          <a:bodyPr wrap="square" rtlCol="0">
+            <a:spAutoFit/>
+          </a:bodyPr>
+          <a:lstStyle/>
+          <a:p>
+            <a:pPr algn="ctr"/>
+            <a:r>
+              <a:rPr lang="en-GB" dirty="0"/>
+              <a:t>Population</a:t>
+            </a:r>
+          </a:p>
+        </p:txBody>
+      </p:sp>
     </p:spTree>
     <p:extLst>
       <p:ext uri="{BB962C8B-B14F-4D97-AF65-F5344CB8AC3E}">

--- a/Research/Map of python files.pptx
+++ b/Research/Map of python files.pptx
@@ -6,6 +6,9 @@
   </p:sldMasterIdLst>
   <p:sldIdLst>
     <p:sldId id="256" r:id="rId2"/>
+    <p:sldId id="257" r:id="rId3"/>
+    <p:sldId id="258" r:id="rId4"/>
+    <p:sldId id="259" r:id="rId5"/>
   </p:sldIdLst>
   <p:sldSz cx="12192000" cy="6858000"/>
   <p:notesSz cx="6858000" cy="9144000"/>
@@ -115,7 +118,7 @@
 <file path=ppt/revisionInfo.xml><?xml version="1.0" encoding="utf-8"?>
 <p1510:revInfo xmlns:a="http://schemas.openxmlformats.org/drawingml/2006/main" xmlns:r="http://schemas.openxmlformats.org/officeDocument/2006/relationships" xmlns:p1510="http://schemas.microsoft.com/office/powerpoint/2015/10/main">
   <p1510:revLst>
-    <p1510:client id="{6EB533CF-01B0-4F11-94C8-C0646E3623EB}" v="2" dt="2022-07-29T12:35:09.599"/>
+    <p1510:client id="{6EB533CF-01B0-4F11-94C8-C0646E3623EB}" v="56" dt="2022-08-11T06:29:49.693"/>
   </p1510:revLst>
 </p1510:revInfo>
 </file>
@@ -124,19 +127,43 @@
 <pc:chgInfo xmlns:a="http://schemas.openxmlformats.org/drawingml/2006/main" xmlns:r="http://schemas.openxmlformats.org/officeDocument/2006/relationships" xmlns:ac="http://schemas.microsoft.com/office/drawing/2013/main/command" xmlns:pc="http://schemas.microsoft.com/office/powerpoint/2013/main/command">
   <pc:docChgLst>
     <pc:chgData name="Jessica Kan" userId="7c9de672-68ab-4f43-bdb2-1bf26d403b8e" providerId="ADAL" clId="{6EB533CF-01B0-4F11-94C8-C0646E3623EB}"/>
-    <pc:docChg chg="modSld">
-      <pc:chgData name="Jessica Kan" userId="7c9de672-68ab-4f43-bdb2-1bf26d403b8e" providerId="ADAL" clId="{6EB533CF-01B0-4F11-94C8-C0646E3623EB}" dt="2022-07-29T12:36:01.005" v="33" actId="14100"/>
+    <pc:docChg chg="undo custSel addSld modSld">
+      <pc:chgData name="Jessica Kan" userId="7c9de672-68ab-4f43-bdb2-1bf26d403b8e" providerId="ADAL" clId="{6EB533CF-01B0-4F11-94C8-C0646E3623EB}" dt="2022-08-11T06:29:58.736" v="808" actId="680"/>
       <pc:docMkLst>
         <pc:docMk/>
       </pc:docMkLst>
-      <pc:sldChg chg="addSp modSp mod">
-        <pc:chgData name="Jessica Kan" userId="7c9de672-68ab-4f43-bdb2-1bf26d403b8e" providerId="ADAL" clId="{6EB533CF-01B0-4F11-94C8-C0646E3623EB}" dt="2022-07-29T12:36:01.005" v="33" actId="14100"/>
+      <pc:sldChg chg="addSp delSp modSp mod">
+        <pc:chgData name="Jessica Kan" userId="7c9de672-68ab-4f43-bdb2-1bf26d403b8e" providerId="ADAL" clId="{6EB533CF-01B0-4F11-94C8-C0646E3623EB}" dt="2022-08-10T14:29:22.753" v="267" actId="1076"/>
         <pc:sldMkLst>
           <pc:docMk/>
           <pc:sldMk cId="3799687021" sldId="256"/>
         </pc:sldMkLst>
+        <pc:spChg chg="add del mod">
+          <ac:chgData name="Jessica Kan" userId="7c9de672-68ab-4f43-bdb2-1bf26d403b8e" providerId="ADAL" clId="{6EB533CF-01B0-4F11-94C8-C0646E3623EB}" dt="2022-08-10T14:28:09.067" v="230" actId="478"/>
+          <ac:spMkLst>
+            <pc:docMk/>
+            <pc:sldMk cId="3799687021" sldId="256"/>
+            <ac:spMk id="2" creationId="{7F4DE4DD-3F05-6DD5-6FD7-CF9FD3DBE899}"/>
+          </ac:spMkLst>
+        </pc:spChg>
+        <pc:spChg chg="add mod">
+          <ac:chgData name="Jessica Kan" userId="7c9de672-68ab-4f43-bdb2-1bf26d403b8e" providerId="ADAL" clId="{6EB533CF-01B0-4F11-94C8-C0646E3623EB}" dt="2022-08-10T14:29:02.064" v="259" actId="1076"/>
+          <ac:spMkLst>
+            <pc:docMk/>
+            <pc:sldMk cId="3799687021" sldId="256"/>
+            <ac:spMk id="3" creationId="{E8E384A9-A147-0758-333F-8D3A74CFF1DF}"/>
+          </ac:spMkLst>
+        </pc:spChg>
         <pc:spChg chg="mod">
-          <ac:chgData name="Jessica Kan" userId="7c9de672-68ab-4f43-bdb2-1bf26d403b8e" providerId="ADAL" clId="{6EB533CF-01B0-4F11-94C8-C0646E3623EB}" dt="2022-07-29T12:34:52.784" v="0" actId="1076"/>
+          <ac:chgData name="Jessica Kan" userId="7c9de672-68ab-4f43-bdb2-1bf26d403b8e" providerId="ADAL" clId="{6EB533CF-01B0-4F11-94C8-C0646E3623EB}" dt="2022-08-08T19:09:02.314" v="175" actId="1076"/>
+          <ac:spMkLst>
+            <pc:docMk/>
+            <pc:sldMk cId="3799687021" sldId="256"/>
+            <ac:spMk id="4" creationId="{67D7EB32-8954-B1A7-6A62-B0DA9F9B3AE6}"/>
+          </ac:spMkLst>
+        </pc:spChg>
+        <pc:spChg chg="mod">
+          <ac:chgData name="Jessica Kan" userId="7c9de672-68ab-4f43-bdb2-1bf26d403b8e" providerId="ADAL" clId="{6EB533CF-01B0-4F11-94C8-C0646E3623EB}" dt="2022-08-08T19:09:40.993" v="185" actId="1076"/>
           <ac:spMkLst>
             <pc:docMk/>
             <pc:sldMk cId="3799687021" sldId="256"/>
@@ -144,7 +171,7 @@
           </ac:spMkLst>
         </pc:spChg>
         <pc:spChg chg="mod">
-          <ac:chgData name="Jessica Kan" userId="7c9de672-68ab-4f43-bdb2-1bf26d403b8e" providerId="ADAL" clId="{6EB533CF-01B0-4F11-94C8-C0646E3623EB}" dt="2022-07-29T12:34:56.126" v="1" actId="1076"/>
+          <ac:chgData name="Jessica Kan" userId="7c9de672-68ab-4f43-bdb2-1bf26d403b8e" providerId="ADAL" clId="{6EB533CF-01B0-4F11-94C8-C0646E3623EB}" dt="2022-08-08T19:09:31.370" v="183" actId="1076"/>
           <ac:spMkLst>
             <pc:docMk/>
             <pc:sldMk cId="3799687021" sldId="256"/>
@@ -152,23 +179,111 @@
           </ac:spMkLst>
         </pc:spChg>
         <pc:spChg chg="mod">
-          <ac:chgData name="Jessica Kan" userId="7c9de672-68ab-4f43-bdb2-1bf26d403b8e" providerId="ADAL" clId="{6EB533CF-01B0-4F11-94C8-C0646E3623EB}" dt="2022-07-29T12:35:52.588" v="30" actId="1076"/>
+          <ac:chgData name="Jessica Kan" userId="7c9de672-68ab-4f43-bdb2-1bf26d403b8e" providerId="ADAL" clId="{6EB533CF-01B0-4F11-94C8-C0646E3623EB}" dt="2022-08-08T19:10:45.126" v="202" actId="1076"/>
           <ac:spMkLst>
             <pc:docMk/>
             <pc:sldMk cId="3799687021" sldId="256"/>
             <ac:spMk id="7" creationId="{6674BCF2-125E-9DE7-96C4-EF08EC75FE27}"/>
           </ac:spMkLst>
         </pc:spChg>
+        <pc:spChg chg="mod">
+          <ac:chgData name="Jessica Kan" userId="7c9de672-68ab-4f43-bdb2-1bf26d403b8e" providerId="ADAL" clId="{6EB533CF-01B0-4F11-94C8-C0646E3623EB}" dt="2022-08-08T19:15:20.638" v="214" actId="1076"/>
+          <ac:spMkLst>
+            <pc:docMk/>
+            <pc:sldMk cId="3799687021" sldId="256"/>
+            <ac:spMk id="8" creationId="{2A4C7D3F-8C6D-C3B7-841F-011B743E6ECC}"/>
+          </ac:spMkLst>
+        </pc:spChg>
+        <pc:spChg chg="mod">
+          <ac:chgData name="Jessica Kan" userId="7c9de672-68ab-4f43-bdb2-1bf26d403b8e" providerId="ADAL" clId="{6EB533CF-01B0-4F11-94C8-C0646E3623EB}" dt="2022-08-08T19:15:17.757" v="213" actId="1076"/>
+          <ac:spMkLst>
+            <pc:docMk/>
+            <pc:sldMk cId="3799687021" sldId="256"/>
+            <ac:spMk id="9" creationId="{851E3D6A-8C2A-4937-9619-DB0A90DE34CA}"/>
+          </ac:spMkLst>
+        </pc:spChg>
         <pc:spChg chg="add mod">
-          <ac:chgData name="Jessica Kan" userId="7c9de672-68ab-4f43-bdb2-1bf26d403b8e" providerId="ADAL" clId="{6EB533CF-01B0-4F11-94C8-C0646E3623EB}" dt="2022-07-29T12:35:23.510" v="25" actId="20577"/>
+          <ac:chgData name="Jessica Kan" userId="7c9de672-68ab-4f43-bdb2-1bf26d403b8e" providerId="ADAL" clId="{6EB533CF-01B0-4F11-94C8-C0646E3623EB}" dt="2022-08-10T14:29:05.402" v="260" actId="1076"/>
+          <ac:spMkLst>
+            <pc:docMk/>
+            <pc:sldMk cId="3799687021" sldId="256"/>
+            <ac:spMk id="10" creationId="{80CFB7F2-8D3F-03AA-E8F7-D465640E29B3}"/>
+          </ac:spMkLst>
+        </pc:spChg>
+        <pc:spChg chg="add mod">
+          <ac:chgData name="Jessica Kan" userId="7c9de672-68ab-4f43-bdb2-1bf26d403b8e" providerId="ADAL" clId="{6EB533CF-01B0-4F11-94C8-C0646E3623EB}" dt="2022-08-10T14:29:08.936" v="261" actId="1076"/>
+          <ac:spMkLst>
+            <pc:docMk/>
+            <pc:sldMk cId="3799687021" sldId="256"/>
+            <ac:spMk id="11" creationId="{45E60877-C867-130F-B1D1-03A5A431286E}"/>
+          </ac:spMkLst>
+        </pc:spChg>
+        <pc:spChg chg="add mod">
+          <ac:chgData name="Jessica Kan" userId="7c9de672-68ab-4f43-bdb2-1bf26d403b8e" providerId="ADAL" clId="{6EB533CF-01B0-4F11-94C8-C0646E3623EB}" dt="2022-08-10T14:29:14.329" v="263" actId="1076"/>
+          <ac:spMkLst>
+            <pc:docMk/>
+            <pc:sldMk cId="3799687021" sldId="256"/>
+            <ac:spMk id="12" creationId="{FF578C96-21AC-BC45-47E6-F6DFCB79FA7D}"/>
+          </ac:spMkLst>
+        </pc:spChg>
+        <pc:spChg chg="add mod">
+          <ac:chgData name="Jessica Kan" userId="7c9de672-68ab-4f43-bdb2-1bf26d403b8e" providerId="ADAL" clId="{6EB533CF-01B0-4F11-94C8-C0646E3623EB}" dt="2022-08-10T14:29:17.929" v="265" actId="1076"/>
+          <ac:spMkLst>
+            <pc:docMk/>
+            <pc:sldMk cId="3799687021" sldId="256"/>
+            <ac:spMk id="13" creationId="{30ACA3D2-83B3-5432-4194-732E20EAA387}"/>
+          </ac:spMkLst>
+        </pc:spChg>
+        <pc:spChg chg="add mod">
+          <ac:chgData name="Jessica Kan" userId="7c9de672-68ab-4f43-bdb2-1bf26d403b8e" providerId="ADAL" clId="{6EB533CF-01B0-4F11-94C8-C0646E3623EB}" dt="2022-08-10T14:29:22.753" v="267" actId="1076"/>
+          <ac:spMkLst>
+            <pc:docMk/>
+            <pc:sldMk cId="3799687021" sldId="256"/>
+            <ac:spMk id="15" creationId="{784C3F6E-8CE2-4BDB-CDE2-E74A83F022AE}"/>
+          </ac:spMkLst>
+        </pc:spChg>
+        <pc:spChg chg="add mod">
+          <ac:chgData name="Jessica Kan" userId="7c9de672-68ab-4f43-bdb2-1bf26d403b8e" providerId="ADAL" clId="{6EB533CF-01B0-4F11-94C8-C0646E3623EB}" dt="2022-08-05T15:38:07.921" v="42" actId="1076"/>
           <ac:spMkLst>
             <pc:docMk/>
             <pc:sldMk cId="3799687021" sldId="256"/>
             <ac:spMk id="19" creationId="{1399C04A-2E22-EB56-4D6D-FC469DE76C4A}"/>
           </ac:spMkLst>
         </pc:spChg>
+        <pc:spChg chg="add mod">
+          <ac:chgData name="Jessica Kan" userId="7c9de672-68ab-4f43-bdb2-1bf26d403b8e" providerId="ADAL" clId="{6EB533CF-01B0-4F11-94C8-C0646E3623EB}" dt="2022-08-08T19:09:13.858" v="177" actId="1076"/>
+          <ac:spMkLst>
+            <pc:docMk/>
+            <pc:sldMk cId="3799687021" sldId="256"/>
+            <ac:spMk id="23" creationId="{B5680912-4BDE-CF26-E4FD-42047868292A}"/>
+          </ac:spMkLst>
+        </pc:spChg>
+        <pc:spChg chg="add mod">
+          <ac:chgData name="Jessica Kan" userId="7c9de672-68ab-4f43-bdb2-1bf26d403b8e" providerId="ADAL" clId="{6EB533CF-01B0-4F11-94C8-C0646E3623EB}" dt="2022-08-08T19:09:11.761" v="176" actId="1076"/>
+          <ac:spMkLst>
+            <pc:docMk/>
+            <pc:sldMk cId="3799687021" sldId="256"/>
+            <ac:spMk id="26" creationId="{B5FB3183-19A4-26E2-EA5E-51ECF70C0A84}"/>
+          </ac:spMkLst>
+        </pc:spChg>
+        <pc:spChg chg="add mod">
+          <ac:chgData name="Jessica Kan" userId="7c9de672-68ab-4f43-bdb2-1bf26d403b8e" providerId="ADAL" clId="{6EB533CF-01B0-4F11-94C8-C0646E3623EB}" dt="2022-08-08T19:10:33.111" v="200" actId="1076"/>
+          <ac:spMkLst>
+            <pc:docMk/>
+            <pc:sldMk cId="3799687021" sldId="256"/>
+            <ac:spMk id="27" creationId="{46F23970-675E-7CB9-C8A2-F2327341D950}"/>
+          </ac:spMkLst>
+        </pc:spChg>
+        <pc:spChg chg="add mod">
+          <ac:chgData name="Jessica Kan" userId="7c9de672-68ab-4f43-bdb2-1bf26d403b8e" providerId="ADAL" clId="{6EB533CF-01B0-4F11-94C8-C0646E3623EB}" dt="2022-08-08T19:08:45.122" v="170" actId="1076"/>
+          <ac:spMkLst>
+            <pc:docMk/>
+            <pc:sldMk cId="3799687021" sldId="256"/>
+            <ac:spMk id="29" creationId="{25F51B4B-C26D-1776-7EC4-5E794BDA63E1}"/>
+          </ac:spMkLst>
+        </pc:spChg>
         <pc:cxnChg chg="add mod">
-          <ac:chgData name="Jessica Kan" userId="7c9de672-68ab-4f43-bdb2-1bf26d403b8e" providerId="ADAL" clId="{6EB533CF-01B0-4F11-94C8-C0646E3623EB}" dt="2022-07-29T12:35:04.501" v="5" actId="14100"/>
+          <ac:chgData name="Jessica Kan" userId="7c9de672-68ab-4f43-bdb2-1bf26d403b8e" providerId="ADAL" clId="{6EB533CF-01B0-4F11-94C8-C0646E3623EB}" dt="2022-08-08T19:09:37.209" v="184" actId="1076"/>
           <ac:cxnSpMkLst>
             <pc:docMk/>
             <pc:sldMk cId="3799687021" sldId="256"/>
@@ -176,7 +291,7 @@
           </ac:cxnSpMkLst>
         </pc:cxnChg>
         <pc:cxnChg chg="mod">
-          <ac:chgData name="Jessica Kan" userId="7c9de672-68ab-4f43-bdb2-1bf26d403b8e" providerId="ADAL" clId="{6EB533CF-01B0-4F11-94C8-C0646E3623EB}" dt="2022-07-29T12:35:08.052" v="7" actId="1076"/>
+          <ac:chgData name="Jessica Kan" userId="7c9de672-68ab-4f43-bdb2-1bf26d403b8e" providerId="ADAL" clId="{6EB533CF-01B0-4F11-94C8-C0646E3623EB}" dt="2022-08-08T19:09:44.248" v="186" actId="14100"/>
           <ac:cxnSpMkLst>
             <pc:docMk/>
             <pc:sldMk cId="3799687021" sldId="256"/>
@@ -184,7 +299,7 @@
           </ac:cxnSpMkLst>
         </pc:cxnChg>
         <pc:cxnChg chg="mod">
-          <ac:chgData name="Jessica Kan" userId="7c9de672-68ab-4f43-bdb2-1bf26d403b8e" providerId="ADAL" clId="{6EB533CF-01B0-4F11-94C8-C0646E3623EB}" dt="2022-07-29T12:36:01.005" v="33" actId="14100"/>
+          <ac:chgData name="Jessica Kan" userId="7c9de672-68ab-4f43-bdb2-1bf26d403b8e" providerId="ADAL" clId="{6EB533CF-01B0-4F11-94C8-C0646E3623EB}" dt="2022-08-08T19:09:48.585" v="188" actId="14100"/>
           <ac:cxnSpMkLst>
             <pc:docMk/>
             <pc:sldMk cId="3799687021" sldId="256"/>
@@ -192,13 +307,562 @@
           </ac:cxnSpMkLst>
         </pc:cxnChg>
         <pc:cxnChg chg="mod">
-          <ac:chgData name="Jessica Kan" userId="7c9de672-68ab-4f43-bdb2-1bf26d403b8e" providerId="ADAL" clId="{6EB533CF-01B0-4F11-94C8-C0646E3623EB}" dt="2022-07-29T12:35:38.413" v="29" actId="14100"/>
+          <ac:chgData name="Jessica Kan" userId="7c9de672-68ab-4f43-bdb2-1bf26d403b8e" providerId="ADAL" clId="{6EB533CF-01B0-4F11-94C8-C0646E3623EB}" dt="2022-08-08T19:15:43.549" v="223" actId="14100"/>
+          <ac:cxnSpMkLst>
+            <pc:docMk/>
+            <pc:sldMk cId="3799687021" sldId="256"/>
+            <ac:cxnSpMk id="20" creationId="{12D3F78E-2261-42B2-1C69-3433C143A0CE}"/>
+          </ac:cxnSpMkLst>
+        </pc:cxnChg>
+        <pc:cxnChg chg="add mod">
+          <ac:chgData name="Jessica Kan" userId="7c9de672-68ab-4f43-bdb2-1bf26d403b8e" providerId="ADAL" clId="{6EB533CF-01B0-4F11-94C8-C0646E3623EB}" dt="2022-08-08T19:09:46.152" v="187" actId="14100"/>
+          <ac:cxnSpMkLst>
+            <pc:docMk/>
+            <pc:sldMk cId="3799687021" sldId="256"/>
+            <ac:cxnSpMk id="21" creationId="{9479D833-45E4-67C9-485A-39A8FB670178}"/>
+          </ac:cxnSpMkLst>
+        </pc:cxnChg>
+        <pc:cxnChg chg="mod">
+          <ac:chgData name="Jessica Kan" userId="7c9de672-68ab-4f43-bdb2-1bf26d403b8e" providerId="ADAL" clId="{6EB533CF-01B0-4F11-94C8-C0646E3623EB}" dt="2022-08-05T15:43:30.130" v="118" actId="14100"/>
+          <ac:cxnSpMkLst>
+            <pc:docMk/>
+            <pc:sldMk cId="3799687021" sldId="256"/>
+            <ac:cxnSpMk id="22" creationId="{036C6DA3-ABED-E1E3-9025-57B33D28AE05}"/>
+          </ac:cxnSpMkLst>
+        </pc:cxnChg>
+        <pc:cxnChg chg="del mod">
+          <ac:chgData name="Jessica Kan" userId="7c9de672-68ab-4f43-bdb2-1bf26d403b8e" providerId="ADAL" clId="{6EB533CF-01B0-4F11-94C8-C0646E3623EB}" dt="2022-08-08T19:15:29.774" v="218" actId="478"/>
+          <ac:cxnSpMkLst>
+            <pc:docMk/>
+            <pc:sldMk cId="3799687021" sldId="256"/>
+            <ac:cxnSpMk id="24" creationId="{99814A31-EBC0-D080-22DD-ADDAC0B5891B}"/>
+          </ac:cxnSpMkLst>
+        </pc:cxnChg>
+        <pc:cxnChg chg="add mod">
+          <ac:chgData name="Jessica Kan" userId="7c9de672-68ab-4f43-bdb2-1bf26d403b8e" providerId="ADAL" clId="{6EB533CF-01B0-4F11-94C8-C0646E3623EB}" dt="2022-08-08T19:10:58.439" v="205" actId="14100"/>
+          <ac:cxnSpMkLst>
+            <pc:docMk/>
+            <pc:sldMk cId="3799687021" sldId="256"/>
+            <ac:cxnSpMk id="25" creationId="{39613C43-A992-B797-9241-2AE5B2D8B475}"/>
+          </ac:cxnSpMkLst>
+        </pc:cxnChg>
+        <pc:cxnChg chg="mod">
+          <ac:chgData name="Jessica Kan" userId="7c9de672-68ab-4f43-bdb2-1bf26d403b8e" providerId="ADAL" clId="{6EB533CF-01B0-4F11-94C8-C0646E3623EB}" dt="2022-08-08T19:15:54.388" v="226" actId="14100"/>
           <ac:cxnSpMkLst>
             <pc:docMk/>
             <pc:sldMk cId="3799687021" sldId="256"/>
             <ac:cxnSpMk id="28" creationId="{BFEC18A4-27F7-6919-91C2-8203BE172189}"/>
           </ac:cxnSpMkLst>
         </pc:cxnChg>
+        <pc:cxnChg chg="add mod">
+          <ac:chgData name="Jessica Kan" userId="7c9de672-68ab-4f43-bdb2-1bf26d403b8e" providerId="ADAL" clId="{6EB533CF-01B0-4F11-94C8-C0646E3623EB}" dt="2022-08-08T19:10:00.971" v="192" actId="14100"/>
+          <ac:cxnSpMkLst>
+            <pc:docMk/>
+            <pc:sldMk cId="3799687021" sldId="256"/>
+            <ac:cxnSpMk id="30" creationId="{362414A1-DC80-678A-3666-95F8EB0807E4}"/>
+          </ac:cxnSpMkLst>
+        </pc:cxnChg>
+        <pc:cxnChg chg="add mod">
+          <ac:chgData name="Jessica Kan" userId="7c9de672-68ab-4f43-bdb2-1bf26d403b8e" providerId="ADAL" clId="{6EB533CF-01B0-4F11-94C8-C0646E3623EB}" dt="2022-08-08T19:10:35.231" v="201" actId="14100"/>
+          <ac:cxnSpMkLst>
+            <pc:docMk/>
+            <pc:sldMk cId="3799687021" sldId="256"/>
+            <ac:cxnSpMk id="32" creationId="{122D5A42-C0C6-8A10-6331-3CCF46ABF613}"/>
+          </ac:cxnSpMkLst>
+        </pc:cxnChg>
+        <pc:cxnChg chg="add del mod">
+          <ac:chgData name="Jessica Kan" userId="7c9de672-68ab-4f43-bdb2-1bf26d403b8e" providerId="ADAL" clId="{6EB533CF-01B0-4F11-94C8-C0646E3623EB}" dt="2022-08-08T19:12:02.755" v="210" actId="478"/>
+          <ac:cxnSpMkLst>
+            <pc:docMk/>
+            <pc:sldMk cId="3799687021" sldId="256"/>
+            <ac:cxnSpMk id="36" creationId="{A46FE414-501E-ED87-DD5A-2BC68006466A}"/>
+          </ac:cxnSpMkLst>
+        </pc:cxnChg>
+        <pc:cxnChg chg="add mod">
+          <ac:chgData name="Jessica Kan" userId="7c9de672-68ab-4f43-bdb2-1bf26d403b8e" providerId="ADAL" clId="{6EB533CF-01B0-4F11-94C8-C0646E3623EB}" dt="2022-08-05T15:43:27.468" v="117" actId="14100"/>
+          <ac:cxnSpMkLst>
+            <pc:docMk/>
+            <pc:sldMk cId="3799687021" sldId="256"/>
+            <ac:cxnSpMk id="37" creationId="{8987E546-7871-393D-460F-D6E51A7ADB25}"/>
+          </ac:cxnSpMkLst>
+        </pc:cxnChg>
+        <pc:cxnChg chg="add mod">
+          <ac:chgData name="Jessica Kan" userId="7c9de672-68ab-4f43-bdb2-1bf26d403b8e" providerId="ADAL" clId="{6EB533CF-01B0-4F11-94C8-C0646E3623EB}" dt="2022-08-08T19:11:07.814" v="209" actId="1076"/>
+          <ac:cxnSpMkLst>
+            <pc:docMk/>
+            <pc:sldMk cId="3799687021" sldId="256"/>
+            <ac:cxnSpMk id="44" creationId="{68316C74-8075-9B68-3DF9-C0478434E580}"/>
+          </ac:cxnSpMkLst>
+        </pc:cxnChg>
+        <pc:cxnChg chg="add mod">
+          <ac:chgData name="Jessica Kan" userId="7c9de672-68ab-4f43-bdb2-1bf26d403b8e" providerId="ADAL" clId="{6EB533CF-01B0-4F11-94C8-C0646E3623EB}" dt="2022-08-08T19:15:45.101" v="224" actId="14100"/>
+          <ac:cxnSpMkLst>
+            <pc:docMk/>
+            <pc:sldMk cId="3799687021" sldId="256"/>
+            <ac:cxnSpMk id="47" creationId="{B03612F4-EE8E-A83C-B92F-1634E33A6C5D}"/>
+          </ac:cxnSpMkLst>
+        </pc:cxnChg>
+      </pc:sldChg>
+      <pc:sldChg chg="addSp delSp new mod">
+        <pc:chgData name="Jessica Kan" userId="7c9de672-68ab-4f43-bdb2-1bf26d403b8e" providerId="ADAL" clId="{6EB533CF-01B0-4F11-94C8-C0646E3623EB}" dt="2022-08-10T14:29:33.298" v="269"/>
+        <pc:sldMkLst>
+          <pc:docMk/>
+          <pc:sldMk cId="1318413866" sldId="257"/>
+        </pc:sldMkLst>
+        <pc:spChg chg="del">
+          <ac:chgData name="Jessica Kan" userId="7c9de672-68ab-4f43-bdb2-1bf26d403b8e" providerId="ADAL" clId="{6EB533CF-01B0-4F11-94C8-C0646E3623EB}" dt="2022-08-05T15:37:27.108" v="35" actId="478"/>
+          <ac:spMkLst>
+            <pc:docMk/>
+            <pc:sldMk cId="1318413866" sldId="257"/>
+            <ac:spMk id="2" creationId="{BFCCEAF2-3F06-EC15-96CE-51590411F385}"/>
+          </ac:spMkLst>
+        </pc:spChg>
+        <pc:spChg chg="del">
+          <ac:chgData name="Jessica Kan" userId="7c9de672-68ab-4f43-bdb2-1bf26d403b8e" providerId="ADAL" clId="{6EB533CF-01B0-4F11-94C8-C0646E3623EB}" dt="2022-08-05T15:37:28.114" v="36" actId="478"/>
+          <ac:spMkLst>
+            <pc:docMk/>
+            <pc:sldMk cId="1318413866" sldId="257"/>
+            <ac:spMk id="3" creationId="{037C9975-2D18-E8A3-1BF5-C6DEDE2A09DF}"/>
+          </ac:spMkLst>
+        </pc:spChg>
+        <pc:picChg chg="add del">
+          <ac:chgData name="Jessica Kan" userId="7c9de672-68ab-4f43-bdb2-1bf26d403b8e" providerId="ADAL" clId="{6EB533CF-01B0-4F11-94C8-C0646E3623EB}" dt="2022-08-10T14:29:31.365" v="268" actId="478"/>
+          <ac:picMkLst>
+            <pc:docMk/>
+            <pc:sldMk cId="1318413866" sldId="257"/>
+            <ac:picMk id="2" creationId="{CF7F48A2-E370-52E0-467F-B7A7E39319DE}"/>
+          </ac:picMkLst>
+        </pc:picChg>
+        <pc:picChg chg="add">
+          <ac:chgData name="Jessica Kan" userId="7c9de672-68ab-4f43-bdb2-1bf26d403b8e" providerId="ADAL" clId="{6EB533CF-01B0-4F11-94C8-C0646E3623EB}" dt="2022-08-10T14:29:33.298" v="269"/>
+          <ac:picMkLst>
+            <pc:docMk/>
+            <pc:sldMk cId="1318413866" sldId="257"/>
+            <ac:picMk id="3" creationId="{43010122-05DF-A86E-6C81-383DA3D913E9}"/>
+          </ac:picMkLst>
+        </pc:picChg>
+        <pc:picChg chg="add del">
+          <ac:chgData name="Jessica Kan" userId="7c9de672-68ab-4f43-bdb2-1bf26d403b8e" providerId="ADAL" clId="{6EB533CF-01B0-4F11-94C8-C0646E3623EB}" dt="2022-08-05T15:43:37.519" v="119" actId="478"/>
+          <ac:picMkLst>
+            <pc:docMk/>
+            <pc:sldMk cId="1318413866" sldId="257"/>
+            <ac:picMk id="4" creationId="{95EA5341-7884-F575-FE9B-AB1CD39A7A00}"/>
+          </ac:picMkLst>
+        </pc:picChg>
+        <pc:picChg chg="add del">
+          <ac:chgData name="Jessica Kan" userId="7c9de672-68ab-4f43-bdb2-1bf26d403b8e" providerId="ADAL" clId="{6EB533CF-01B0-4F11-94C8-C0646E3623EB}" dt="2022-08-08T19:16:02.640" v="227" actId="478"/>
+          <ac:picMkLst>
+            <pc:docMk/>
+            <pc:sldMk cId="1318413866" sldId="257"/>
+            <ac:picMk id="5" creationId="{B5BB8D81-963C-3C15-5836-34D045BAC058}"/>
+          </ac:picMkLst>
+        </pc:picChg>
+      </pc:sldChg>
+      <pc:sldChg chg="addSp delSp modSp new mod">
+        <pc:chgData name="Jessica Kan" userId="7c9de672-68ab-4f43-bdb2-1bf26d403b8e" providerId="ADAL" clId="{6EB533CF-01B0-4F11-94C8-C0646E3623EB}" dt="2022-08-11T06:29:49.693" v="807" actId="164"/>
+        <pc:sldMkLst>
+          <pc:docMk/>
+          <pc:sldMk cId="1649129336" sldId="258"/>
+        </pc:sldMkLst>
+        <pc:spChg chg="del">
+          <ac:chgData name="Jessica Kan" userId="7c9de672-68ab-4f43-bdb2-1bf26d403b8e" providerId="ADAL" clId="{6EB533CF-01B0-4F11-94C8-C0646E3623EB}" dt="2022-08-11T06:11:50.839" v="271" actId="478"/>
+          <ac:spMkLst>
+            <pc:docMk/>
+            <pc:sldMk cId="1649129336" sldId="258"/>
+            <ac:spMk id="2" creationId="{7F0244D8-31A5-84DC-F7DE-894AB6D19136}"/>
+          </ac:spMkLst>
+        </pc:spChg>
+        <pc:spChg chg="del">
+          <ac:chgData name="Jessica Kan" userId="7c9de672-68ab-4f43-bdb2-1bf26d403b8e" providerId="ADAL" clId="{6EB533CF-01B0-4F11-94C8-C0646E3623EB}" dt="2022-08-11T06:11:53.750" v="272" actId="478"/>
+          <ac:spMkLst>
+            <pc:docMk/>
+            <pc:sldMk cId="1649129336" sldId="258"/>
+            <ac:spMk id="3" creationId="{748C421E-DFBF-D064-F8E1-80A2723EA0CB}"/>
+          </ac:spMkLst>
+        </pc:spChg>
+        <pc:spChg chg="add mod">
+          <ac:chgData name="Jessica Kan" userId="7c9de672-68ab-4f43-bdb2-1bf26d403b8e" providerId="ADAL" clId="{6EB533CF-01B0-4F11-94C8-C0646E3623EB}" dt="2022-08-11T06:29:49.693" v="807" actId="164"/>
+          <ac:spMkLst>
+            <pc:docMk/>
+            <pc:sldMk cId="1649129336" sldId="258"/>
+            <ac:spMk id="4" creationId="{F253DE0F-767F-1397-055E-6376FEFE7082}"/>
+          </ac:spMkLst>
+        </pc:spChg>
+        <pc:spChg chg="add mod">
+          <ac:chgData name="Jessica Kan" userId="7c9de672-68ab-4f43-bdb2-1bf26d403b8e" providerId="ADAL" clId="{6EB533CF-01B0-4F11-94C8-C0646E3623EB}" dt="2022-08-11T06:29:49.693" v="807" actId="164"/>
+          <ac:spMkLst>
+            <pc:docMk/>
+            <pc:sldMk cId="1649129336" sldId="258"/>
+            <ac:spMk id="5" creationId="{60BFAA97-AF3F-691B-7BA5-926D2361C884}"/>
+          </ac:spMkLst>
+        </pc:spChg>
+        <pc:spChg chg="add mod">
+          <ac:chgData name="Jessica Kan" userId="7c9de672-68ab-4f43-bdb2-1bf26d403b8e" providerId="ADAL" clId="{6EB533CF-01B0-4F11-94C8-C0646E3623EB}" dt="2022-08-11T06:29:49.693" v="807" actId="164"/>
+          <ac:spMkLst>
+            <pc:docMk/>
+            <pc:sldMk cId="1649129336" sldId="258"/>
+            <ac:spMk id="6" creationId="{A3E92628-43D9-B854-484E-3B88D7B62162}"/>
+          </ac:spMkLst>
+        </pc:spChg>
+        <pc:spChg chg="add mod">
+          <ac:chgData name="Jessica Kan" userId="7c9de672-68ab-4f43-bdb2-1bf26d403b8e" providerId="ADAL" clId="{6EB533CF-01B0-4F11-94C8-C0646E3623EB}" dt="2022-08-11T06:29:49.693" v="807" actId="164"/>
+          <ac:spMkLst>
+            <pc:docMk/>
+            <pc:sldMk cId="1649129336" sldId="258"/>
+            <ac:spMk id="7" creationId="{3FE7C025-C1C0-772E-7CE4-F6E092DCB281}"/>
+          </ac:spMkLst>
+        </pc:spChg>
+        <pc:spChg chg="add mod">
+          <ac:chgData name="Jessica Kan" userId="7c9de672-68ab-4f43-bdb2-1bf26d403b8e" providerId="ADAL" clId="{6EB533CF-01B0-4F11-94C8-C0646E3623EB}" dt="2022-08-11T06:29:49.693" v="807" actId="164"/>
+          <ac:spMkLst>
+            <pc:docMk/>
+            <pc:sldMk cId="1649129336" sldId="258"/>
+            <ac:spMk id="8" creationId="{B655B505-563E-0B67-9B73-6E4CB5C7F226}"/>
+          </ac:spMkLst>
+        </pc:spChg>
+        <pc:spChg chg="add mod">
+          <ac:chgData name="Jessica Kan" userId="7c9de672-68ab-4f43-bdb2-1bf26d403b8e" providerId="ADAL" clId="{6EB533CF-01B0-4F11-94C8-C0646E3623EB}" dt="2022-08-11T06:29:49.693" v="807" actId="164"/>
+          <ac:spMkLst>
+            <pc:docMk/>
+            <pc:sldMk cId="1649129336" sldId="258"/>
+            <ac:spMk id="9" creationId="{3884F7FC-A281-509D-C2AC-8495D69A18AF}"/>
+          </ac:spMkLst>
+        </pc:spChg>
+        <pc:spChg chg="add mod">
+          <ac:chgData name="Jessica Kan" userId="7c9de672-68ab-4f43-bdb2-1bf26d403b8e" providerId="ADAL" clId="{6EB533CF-01B0-4F11-94C8-C0646E3623EB}" dt="2022-08-11T06:29:49.693" v="807" actId="164"/>
+          <ac:spMkLst>
+            <pc:docMk/>
+            <pc:sldMk cId="1649129336" sldId="258"/>
+            <ac:spMk id="10" creationId="{3C833E04-72D5-4336-8123-FF9608DEEC04}"/>
+          </ac:spMkLst>
+        </pc:spChg>
+        <pc:spChg chg="add mod">
+          <ac:chgData name="Jessica Kan" userId="7c9de672-68ab-4f43-bdb2-1bf26d403b8e" providerId="ADAL" clId="{6EB533CF-01B0-4F11-94C8-C0646E3623EB}" dt="2022-08-11T06:29:49.693" v="807" actId="164"/>
+          <ac:spMkLst>
+            <pc:docMk/>
+            <pc:sldMk cId="1649129336" sldId="258"/>
+            <ac:spMk id="11" creationId="{6CB28D3E-54A9-3BAB-AA9B-22616C4FEE03}"/>
+          </ac:spMkLst>
+        </pc:spChg>
+        <pc:spChg chg="add mod">
+          <ac:chgData name="Jessica Kan" userId="7c9de672-68ab-4f43-bdb2-1bf26d403b8e" providerId="ADAL" clId="{6EB533CF-01B0-4F11-94C8-C0646E3623EB}" dt="2022-08-11T06:29:49.693" v="807" actId="164"/>
+          <ac:spMkLst>
+            <pc:docMk/>
+            <pc:sldMk cId="1649129336" sldId="258"/>
+            <ac:spMk id="12" creationId="{AF1A68B2-2100-A746-BE65-61D0EC278354}"/>
+          </ac:spMkLst>
+        </pc:spChg>
+        <pc:spChg chg="add mod ord">
+          <ac:chgData name="Jessica Kan" userId="7c9de672-68ab-4f43-bdb2-1bf26d403b8e" providerId="ADAL" clId="{6EB533CF-01B0-4F11-94C8-C0646E3623EB}" dt="2022-08-11T06:23:06.459" v="708" actId="14100"/>
+          <ac:spMkLst>
+            <pc:docMk/>
+            <pc:sldMk cId="1649129336" sldId="258"/>
+            <ac:spMk id="13" creationId="{F8BDDF8B-BE06-C890-2A74-CED739F1F403}"/>
+          </ac:spMkLst>
+        </pc:spChg>
+        <pc:spChg chg="add mod">
+          <ac:chgData name="Jessica Kan" userId="7c9de672-68ab-4f43-bdb2-1bf26d403b8e" providerId="ADAL" clId="{6EB533CF-01B0-4F11-94C8-C0646E3623EB}" dt="2022-08-11T06:29:49.693" v="807" actId="164"/>
+          <ac:spMkLst>
+            <pc:docMk/>
+            <pc:sldMk cId="1649129336" sldId="258"/>
+            <ac:spMk id="14" creationId="{ACFC606B-6D85-7513-2327-4877960E8793}"/>
+          </ac:spMkLst>
+        </pc:spChg>
+        <pc:spChg chg="add mod ord">
+          <ac:chgData name="Jessica Kan" userId="7c9de672-68ab-4f43-bdb2-1bf26d403b8e" providerId="ADAL" clId="{6EB533CF-01B0-4F11-94C8-C0646E3623EB}" dt="2022-08-11T06:23:19.898" v="710" actId="1076"/>
+          <ac:spMkLst>
+            <pc:docMk/>
+            <pc:sldMk cId="1649129336" sldId="258"/>
+            <ac:spMk id="15" creationId="{47A109FF-2CC8-9B7B-4126-6D3E03D10B94}"/>
+          </ac:spMkLst>
+        </pc:spChg>
+        <pc:spChg chg="add mod">
+          <ac:chgData name="Jessica Kan" userId="7c9de672-68ab-4f43-bdb2-1bf26d403b8e" providerId="ADAL" clId="{6EB533CF-01B0-4F11-94C8-C0646E3623EB}" dt="2022-08-11T06:29:49.693" v="807" actId="164"/>
+          <ac:spMkLst>
+            <pc:docMk/>
+            <pc:sldMk cId="1649129336" sldId="258"/>
+            <ac:spMk id="16" creationId="{AB1E0602-C563-BF1B-4276-2FF5EC18E3CD}"/>
+          </ac:spMkLst>
+        </pc:spChg>
+        <pc:spChg chg="add mod">
+          <ac:chgData name="Jessica Kan" userId="7c9de672-68ab-4f43-bdb2-1bf26d403b8e" providerId="ADAL" clId="{6EB533CF-01B0-4F11-94C8-C0646E3623EB}" dt="2022-08-11T06:29:49.693" v="807" actId="164"/>
+          <ac:spMkLst>
+            <pc:docMk/>
+            <pc:sldMk cId="1649129336" sldId="258"/>
+            <ac:spMk id="17" creationId="{88F71B92-13A3-5F59-2618-38920607DFEC}"/>
+          </ac:spMkLst>
+        </pc:spChg>
+        <pc:spChg chg="add mod">
+          <ac:chgData name="Jessica Kan" userId="7c9de672-68ab-4f43-bdb2-1bf26d403b8e" providerId="ADAL" clId="{6EB533CF-01B0-4F11-94C8-C0646E3623EB}" dt="2022-08-11T06:29:49.693" v="807" actId="164"/>
+          <ac:spMkLst>
+            <pc:docMk/>
+            <pc:sldMk cId="1649129336" sldId="258"/>
+            <ac:spMk id="18" creationId="{F29EDBD9-524E-6E35-06EA-E72B789B4A91}"/>
+          </ac:spMkLst>
+        </pc:spChg>
+        <pc:spChg chg="add mod">
+          <ac:chgData name="Jessica Kan" userId="7c9de672-68ab-4f43-bdb2-1bf26d403b8e" providerId="ADAL" clId="{6EB533CF-01B0-4F11-94C8-C0646E3623EB}" dt="2022-08-11T06:29:49.693" v="807" actId="164"/>
+          <ac:spMkLst>
+            <pc:docMk/>
+            <pc:sldMk cId="1649129336" sldId="258"/>
+            <ac:spMk id="19" creationId="{815DE59C-A86F-C774-0462-A6AB918A252B}"/>
+          </ac:spMkLst>
+        </pc:spChg>
+        <pc:spChg chg="add mod">
+          <ac:chgData name="Jessica Kan" userId="7c9de672-68ab-4f43-bdb2-1bf26d403b8e" providerId="ADAL" clId="{6EB533CF-01B0-4F11-94C8-C0646E3623EB}" dt="2022-08-11T06:29:49.693" v="807" actId="164"/>
+          <ac:spMkLst>
+            <pc:docMk/>
+            <pc:sldMk cId="1649129336" sldId="258"/>
+            <ac:spMk id="20" creationId="{2CC2E05F-68CC-128C-BFCF-D59EB4FC6FC8}"/>
+          </ac:spMkLst>
+        </pc:spChg>
+        <pc:grpChg chg="add mod">
+          <ac:chgData name="Jessica Kan" userId="7c9de672-68ab-4f43-bdb2-1bf26d403b8e" providerId="ADAL" clId="{6EB533CF-01B0-4F11-94C8-C0646E3623EB}" dt="2022-08-11T06:29:49.693" v="807" actId="164"/>
+          <ac:grpSpMkLst>
+            <pc:docMk/>
+            <pc:sldMk cId="1649129336" sldId="258"/>
+            <ac:grpSpMk id="71" creationId="{5D8AA3F7-0F79-68DC-F9E8-D673D5550B65}"/>
+          </ac:grpSpMkLst>
+        </pc:grpChg>
+        <pc:cxnChg chg="add mod">
+          <ac:chgData name="Jessica Kan" userId="7c9de672-68ab-4f43-bdb2-1bf26d403b8e" providerId="ADAL" clId="{6EB533CF-01B0-4F11-94C8-C0646E3623EB}" dt="2022-08-11T06:29:49.693" v="807" actId="164"/>
+          <ac:cxnSpMkLst>
+            <pc:docMk/>
+            <pc:sldMk cId="1649129336" sldId="258"/>
+            <ac:cxnSpMk id="22" creationId="{B706BDC9-97F9-88A8-6309-1F9A2F33026E}"/>
+          </ac:cxnSpMkLst>
+        </pc:cxnChg>
+        <pc:cxnChg chg="add mod">
+          <ac:chgData name="Jessica Kan" userId="7c9de672-68ab-4f43-bdb2-1bf26d403b8e" providerId="ADAL" clId="{6EB533CF-01B0-4F11-94C8-C0646E3623EB}" dt="2022-08-11T06:29:49.693" v="807" actId="164"/>
+          <ac:cxnSpMkLst>
+            <pc:docMk/>
+            <pc:sldMk cId="1649129336" sldId="258"/>
+            <ac:cxnSpMk id="23" creationId="{F50B0870-8FDA-EB09-49FC-ECD4DE50D3C8}"/>
+          </ac:cxnSpMkLst>
+        </pc:cxnChg>
+        <pc:cxnChg chg="add mod">
+          <ac:chgData name="Jessica Kan" userId="7c9de672-68ab-4f43-bdb2-1bf26d403b8e" providerId="ADAL" clId="{6EB533CF-01B0-4F11-94C8-C0646E3623EB}" dt="2022-08-11T06:29:49.693" v="807" actId="164"/>
+          <ac:cxnSpMkLst>
+            <pc:docMk/>
+            <pc:sldMk cId="1649129336" sldId="258"/>
+            <ac:cxnSpMk id="25" creationId="{16304A2A-9ADF-7F72-6164-266A6EF4E6E5}"/>
+          </ac:cxnSpMkLst>
+        </pc:cxnChg>
+        <pc:cxnChg chg="add mod">
+          <ac:chgData name="Jessica Kan" userId="7c9de672-68ab-4f43-bdb2-1bf26d403b8e" providerId="ADAL" clId="{6EB533CF-01B0-4F11-94C8-C0646E3623EB}" dt="2022-08-11T06:29:49.693" v="807" actId="164"/>
+          <ac:cxnSpMkLst>
+            <pc:docMk/>
+            <pc:sldMk cId="1649129336" sldId="258"/>
+            <ac:cxnSpMk id="27" creationId="{FEFD284F-899A-EFFE-58A1-BE0AF2E5CDF0}"/>
+          </ac:cxnSpMkLst>
+        </pc:cxnChg>
+        <pc:cxnChg chg="add mod">
+          <ac:chgData name="Jessica Kan" userId="7c9de672-68ab-4f43-bdb2-1bf26d403b8e" providerId="ADAL" clId="{6EB533CF-01B0-4F11-94C8-C0646E3623EB}" dt="2022-08-11T06:29:49.693" v="807" actId="164"/>
+          <ac:cxnSpMkLst>
+            <pc:docMk/>
+            <pc:sldMk cId="1649129336" sldId="258"/>
+            <ac:cxnSpMk id="29" creationId="{9073CC5A-3DA5-5D14-7F93-8F82267824F1}"/>
+          </ac:cxnSpMkLst>
+        </pc:cxnChg>
+        <pc:cxnChg chg="add mod">
+          <ac:chgData name="Jessica Kan" userId="7c9de672-68ab-4f43-bdb2-1bf26d403b8e" providerId="ADAL" clId="{6EB533CF-01B0-4F11-94C8-C0646E3623EB}" dt="2022-08-11T06:29:49.693" v="807" actId="164"/>
+          <ac:cxnSpMkLst>
+            <pc:docMk/>
+            <pc:sldMk cId="1649129336" sldId="258"/>
+            <ac:cxnSpMk id="31" creationId="{85464712-9E66-C70D-203F-30E3DF569636}"/>
+          </ac:cxnSpMkLst>
+        </pc:cxnChg>
+        <pc:cxnChg chg="add mod">
+          <ac:chgData name="Jessica Kan" userId="7c9de672-68ab-4f43-bdb2-1bf26d403b8e" providerId="ADAL" clId="{6EB533CF-01B0-4F11-94C8-C0646E3623EB}" dt="2022-08-11T06:29:49.693" v="807" actId="164"/>
+          <ac:cxnSpMkLst>
+            <pc:docMk/>
+            <pc:sldMk cId="1649129336" sldId="258"/>
+            <ac:cxnSpMk id="32" creationId="{31C2F827-0C0E-4F64-B089-1883F8923A5B}"/>
+          </ac:cxnSpMkLst>
+        </pc:cxnChg>
+        <pc:cxnChg chg="add mod">
+          <ac:chgData name="Jessica Kan" userId="7c9de672-68ab-4f43-bdb2-1bf26d403b8e" providerId="ADAL" clId="{6EB533CF-01B0-4F11-94C8-C0646E3623EB}" dt="2022-08-11T06:29:49.693" v="807" actId="164"/>
+          <ac:cxnSpMkLst>
+            <pc:docMk/>
+            <pc:sldMk cId="1649129336" sldId="258"/>
+            <ac:cxnSpMk id="33" creationId="{B8D60395-822F-BE1B-6A31-F8B0A68FB5AD}"/>
+          </ac:cxnSpMkLst>
+        </pc:cxnChg>
+        <pc:cxnChg chg="add mod">
+          <ac:chgData name="Jessica Kan" userId="7c9de672-68ab-4f43-bdb2-1bf26d403b8e" providerId="ADAL" clId="{6EB533CF-01B0-4F11-94C8-C0646E3623EB}" dt="2022-08-11T06:29:49.693" v="807" actId="164"/>
+          <ac:cxnSpMkLst>
+            <pc:docMk/>
+            <pc:sldMk cId="1649129336" sldId="258"/>
+            <ac:cxnSpMk id="35" creationId="{15ECCCC7-6BBF-6AD5-BAE9-E090452D6AC2}"/>
+          </ac:cxnSpMkLst>
+        </pc:cxnChg>
+        <pc:cxnChg chg="add mod">
+          <ac:chgData name="Jessica Kan" userId="7c9de672-68ab-4f43-bdb2-1bf26d403b8e" providerId="ADAL" clId="{6EB533CF-01B0-4F11-94C8-C0646E3623EB}" dt="2022-08-11T06:29:49.693" v="807" actId="164"/>
+          <ac:cxnSpMkLst>
+            <pc:docMk/>
+            <pc:sldMk cId="1649129336" sldId="258"/>
+            <ac:cxnSpMk id="38" creationId="{250E5814-489F-E7F0-3C9D-C46950507D92}"/>
+          </ac:cxnSpMkLst>
+        </pc:cxnChg>
+        <pc:cxnChg chg="add mod">
+          <ac:chgData name="Jessica Kan" userId="7c9de672-68ab-4f43-bdb2-1bf26d403b8e" providerId="ADAL" clId="{6EB533CF-01B0-4F11-94C8-C0646E3623EB}" dt="2022-08-11T06:29:49.693" v="807" actId="164"/>
+          <ac:cxnSpMkLst>
+            <pc:docMk/>
+            <pc:sldMk cId="1649129336" sldId="258"/>
+            <ac:cxnSpMk id="41" creationId="{CEA18EFD-B97C-63C5-F62A-D8A1E4A32E56}"/>
+          </ac:cxnSpMkLst>
+        </pc:cxnChg>
+        <pc:cxnChg chg="add mod">
+          <ac:chgData name="Jessica Kan" userId="7c9de672-68ab-4f43-bdb2-1bf26d403b8e" providerId="ADAL" clId="{6EB533CF-01B0-4F11-94C8-C0646E3623EB}" dt="2022-08-11T06:29:49.693" v="807" actId="164"/>
+          <ac:cxnSpMkLst>
+            <pc:docMk/>
+            <pc:sldMk cId="1649129336" sldId="258"/>
+            <ac:cxnSpMk id="43" creationId="{ABDCAEF4-F9D5-BA26-0423-97BAAE1BF8BF}"/>
+          </ac:cxnSpMkLst>
+        </pc:cxnChg>
+        <pc:cxnChg chg="add mod">
+          <ac:chgData name="Jessica Kan" userId="7c9de672-68ab-4f43-bdb2-1bf26d403b8e" providerId="ADAL" clId="{6EB533CF-01B0-4F11-94C8-C0646E3623EB}" dt="2022-08-11T06:29:49.693" v="807" actId="164"/>
+          <ac:cxnSpMkLst>
+            <pc:docMk/>
+            <pc:sldMk cId="1649129336" sldId="258"/>
+            <ac:cxnSpMk id="44" creationId="{09E22613-5042-77CA-4742-9DF516457A2A}"/>
+          </ac:cxnSpMkLst>
+        </pc:cxnChg>
+        <pc:cxnChg chg="add mod">
+          <ac:chgData name="Jessica Kan" userId="7c9de672-68ab-4f43-bdb2-1bf26d403b8e" providerId="ADAL" clId="{6EB533CF-01B0-4F11-94C8-C0646E3623EB}" dt="2022-08-11T06:29:49.693" v="807" actId="164"/>
+          <ac:cxnSpMkLst>
+            <pc:docMk/>
+            <pc:sldMk cId="1649129336" sldId="258"/>
+            <ac:cxnSpMk id="45" creationId="{388ECF12-8992-9E0D-4639-4BAA11521FE7}"/>
+          </ac:cxnSpMkLst>
+        </pc:cxnChg>
+        <pc:cxnChg chg="add mod">
+          <ac:chgData name="Jessica Kan" userId="7c9de672-68ab-4f43-bdb2-1bf26d403b8e" providerId="ADAL" clId="{6EB533CF-01B0-4F11-94C8-C0646E3623EB}" dt="2022-08-11T06:29:49.693" v="807" actId="164"/>
+          <ac:cxnSpMkLst>
+            <pc:docMk/>
+            <pc:sldMk cId="1649129336" sldId="258"/>
+            <ac:cxnSpMk id="46" creationId="{5CCE69BC-17E9-9840-698B-1EFFDBB55A1E}"/>
+          </ac:cxnSpMkLst>
+        </pc:cxnChg>
+        <pc:cxnChg chg="add mod">
+          <ac:chgData name="Jessica Kan" userId="7c9de672-68ab-4f43-bdb2-1bf26d403b8e" providerId="ADAL" clId="{6EB533CF-01B0-4F11-94C8-C0646E3623EB}" dt="2022-08-11T06:29:49.693" v="807" actId="164"/>
+          <ac:cxnSpMkLst>
+            <pc:docMk/>
+            <pc:sldMk cId="1649129336" sldId="258"/>
+            <ac:cxnSpMk id="49" creationId="{E7AECD3F-90C2-84D2-7637-B41964043F26}"/>
+          </ac:cxnSpMkLst>
+        </pc:cxnChg>
+        <pc:cxnChg chg="add mod">
+          <ac:chgData name="Jessica Kan" userId="7c9de672-68ab-4f43-bdb2-1bf26d403b8e" providerId="ADAL" clId="{6EB533CF-01B0-4F11-94C8-C0646E3623EB}" dt="2022-08-11T06:29:49.693" v="807" actId="164"/>
+          <ac:cxnSpMkLst>
+            <pc:docMk/>
+            <pc:sldMk cId="1649129336" sldId="258"/>
+            <ac:cxnSpMk id="50" creationId="{39EE00DC-B244-9343-4649-6F42E308D070}"/>
+          </ac:cxnSpMkLst>
+        </pc:cxnChg>
+        <pc:cxnChg chg="add mod">
+          <ac:chgData name="Jessica Kan" userId="7c9de672-68ab-4f43-bdb2-1bf26d403b8e" providerId="ADAL" clId="{6EB533CF-01B0-4F11-94C8-C0646E3623EB}" dt="2022-08-11T06:29:49.693" v="807" actId="164"/>
+          <ac:cxnSpMkLst>
+            <pc:docMk/>
+            <pc:sldMk cId="1649129336" sldId="258"/>
+            <ac:cxnSpMk id="57" creationId="{7ED99CAF-04F6-66E9-95BC-8C7DF831E2EF}"/>
+          </ac:cxnSpMkLst>
+        </pc:cxnChg>
+        <pc:cxnChg chg="add mod">
+          <ac:chgData name="Jessica Kan" userId="7c9de672-68ab-4f43-bdb2-1bf26d403b8e" providerId="ADAL" clId="{6EB533CF-01B0-4F11-94C8-C0646E3623EB}" dt="2022-08-11T06:29:49.693" v="807" actId="164"/>
+          <ac:cxnSpMkLst>
+            <pc:docMk/>
+            <pc:sldMk cId="1649129336" sldId="258"/>
+            <ac:cxnSpMk id="58" creationId="{879892BD-8CFC-04DD-0BF1-5E928DDC749B}"/>
+          </ac:cxnSpMkLst>
+        </pc:cxnChg>
+        <pc:cxnChg chg="add mod">
+          <ac:chgData name="Jessica Kan" userId="7c9de672-68ab-4f43-bdb2-1bf26d403b8e" providerId="ADAL" clId="{6EB533CF-01B0-4F11-94C8-C0646E3623EB}" dt="2022-08-11T06:29:49.693" v="807" actId="164"/>
+          <ac:cxnSpMkLst>
+            <pc:docMk/>
+            <pc:sldMk cId="1649129336" sldId="258"/>
+            <ac:cxnSpMk id="59" creationId="{A0862026-CEF3-EB53-D728-FC3554F73EAB}"/>
+          </ac:cxnSpMkLst>
+        </pc:cxnChg>
+        <pc:cxnChg chg="add mod">
+          <ac:chgData name="Jessica Kan" userId="7c9de672-68ab-4f43-bdb2-1bf26d403b8e" providerId="ADAL" clId="{6EB533CF-01B0-4F11-94C8-C0646E3623EB}" dt="2022-08-11T06:29:49.693" v="807" actId="164"/>
+          <ac:cxnSpMkLst>
+            <pc:docMk/>
+            <pc:sldMk cId="1649129336" sldId="258"/>
+            <ac:cxnSpMk id="60" creationId="{41F8AD1C-B039-F68B-9BE4-51570341FF3F}"/>
+          </ac:cxnSpMkLst>
+        </pc:cxnChg>
+        <pc:cxnChg chg="add mod">
+          <ac:chgData name="Jessica Kan" userId="7c9de672-68ab-4f43-bdb2-1bf26d403b8e" providerId="ADAL" clId="{6EB533CF-01B0-4F11-94C8-C0646E3623EB}" dt="2022-08-11T06:29:49.693" v="807" actId="164"/>
+          <ac:cxnSpMkLst>
+            <pc:docMk/>
+            <pc:sldMk cId="1649129336" sldId="258"/>
+            <ac:cxnSpMk id="61" creationId="{19D8FFBA-B5C5-9B0A-D202-08D919D96EE6}"/>
+          </ac:cxnSpMkLst>
+        </pc:cxnChg>
+        <pc:cxnChg chg="add mod">
+          <ac:chgData name="Jessica Kan" userId="7c9de672-68ab-4f43-bdb2-1bf26d403b8e" providerId="ADAL" clId="{6EB533CF-01B0-4F11-94C8-C0646E3623EB}" dt="2022-08-11T06:29:49.693" v="807" actId="164"/>
+          <ac:cxnSpMkLst>
+            <pc:docMk/>
+            <pc:sldMk cId="1649129336" sldId="258"/>
+            <ac:cxnSpMk id="62" creationId="{76E8E137-F5BF-74CE-9C57-FA6B2B9BE921}"/>
+          </ac:cxnSpMkLst>
+        </pc:cxnChg>
+        <pc:cxnChg chg="add mod">
+          <ac:chgData name="Jessica Kan" userId="7c9de672-68ab-4f43-bdb2-1bf26d403b8e" providerId="ADAL" clId="{6EB533CF-01B0-4F11-94C8-C0646E3623EB}" dt="2022-08-11T06:29:49.693" v="807" actId="164"/>
+          <ac:cxnSpMkLst>
+            <pc:docMk/>
+            <pc:sldMk cId="1649129336" sldId="258"/>
+            <ac:cxnSpMk id="63" creationId="{18885A23-DF33-1632-ED00-A3406BC15042}"/>
+          </ac:cxnSpMkLst>
+        </pc:cxnChg>
+        <pc:cxnChg chg="add mod">
+          <ac:chgData name="Jessica Kan" userId="7c9de672-68ab-4f43-bdb2-1bf26d403b8e" providerId="ADAL" clId="{6EB533CF-01B0-4F11-94C8-C0646E3623EB}" dt="2022-08-11T06:29:49.693" v="807" actId="164"/>
+          <ac:cxnSpMkLst>
+            <pc:docMk/>
+            <pc:sldMk cId="1649129336" sldId="258"/>
+            <ac:cxnSpMk id="64" creationId="{714A3215-E00D-1AD0-E3C1-C49E4AA1CD58}"/>
+          </ac:cxnSpMkLst>
+        </pc:cxnChg>
+        <pc:cxnChg chg="add mod">
+          <ac:chgData name="Jessica Kan" userId="7c9de672-68ab-4f43-bdb2-1bf26d403b8e" providerId="ADAL" clId="{6EB533CF-01B0-4F11-94C8-C0646E3623EB}" dt="2022-08-11T06:29:49.693" v="807" actId="164"/>
+          <ac:cxnSpMkLst>
+            <pc:docMk/>
+            <pc:sldMk cId="1649129336" sldId="258"/>
+            <ac:cxnSpMk id="65" creationId="{0ECB8C32-4BED-337D-532D-EBB10042577F}"/>
+          </ac:cxnSpMkLst>
+        </pc:cxnChg>
+        <pc:cxnChg chg="add mod">
+          <ac:chgData name="Jessica Kan" userId="7c9de672-68ab-4f43-bdb2-1bf26d403b8e" providerId="ADAL" clId="{6EB533CF-01B0-4F11-94C8-C0646E3623EB}" dt="2022-08-11T06:29:49.693" v="807" actId="164"/>
+          <ac:cxnSpMkLst>
+            <pc:docMk/>
+            <pc:sldMk cId="1649129336" sldId="258"/>
+            <ac:cxnSpMk id="68" creationId="{77FBFDEA-4611-1639-51A8-B210BC4D08CA}"/>
+          </ac:cxnSpMkLst>
+        </pc:cxnChg>
+        <pc:cxnChg chg="add mod">
+          <ac:chgData name="Jessica Kan" userId="7c9de672-68ab-4f43-bdb2-1bf26d403b8e" providerId="ADAL" clId="{6EB533CF-01B0-4F11-94C8-C0646E3623EB}" dt="2022-08-11T06:29:49.693" v="807" actId="164"/>
+          <ac:cxnSpMkLst>
+            <pc:docMk/>
+            <pc:sldMk cId="1649129336" sldId="258"/>
+            <ac:cxnSpMk id="69" creationId="{99944FF5-A9CB-4CD2-5A1A-866AFC740F95}"/>
+          </ac:cxnSpMkLst>
+        </pc:cxnChg>
+        <pc:cxnChg chg="add mod">
+          <ac:chgData name="Jessica Kan" userId="7c9de672-68ab-4f43-bdb2-1bf26d403b8e" providerId="ADAL" clId="{6EB533CF-01B0-4F11-94C8-C0646E3623EB}" dt="2022-08-11T06:29:49.693" v="807" actId="164"/>
+          <ac:cxnSpMkLst>
+            <pc:docMk/>
+            <pc:sldMk cId="1649129336" sldId="258"/>
+            <ac:cxnSpMk id="70" creationId="{4B98A595-796E-3FF1-9237-CFA057E08D9D}"/>
+          </ac:cxnSpMkLst>
+        </pc:cxnChg>
+      </pc:sldChg>
+      <pc:sldChg chg="new">
+        <pc:chgData name="Jessica Kan" userId="7c9de672-68ab-4f43-bdb2-1bf26d403b8e" providerId="ADAL" clId="{6EB533CF-01B0-4F11-94C8-C0646E3623EB}" dt="2022-08-11T06:29:58.736" v="808" actId="680"/>
+        <pc:sldMkLst>
+          <pc:docMk/>
+          <pc:sldMk cId="530346101" sldId="259"/>
+        </pc:sldMkLst>
       </pc:sldChg>
     </pc:docChg>
   </pc:docChgLst>
@@ -354,7 +1018,7 @@
           <a:p>
             <a:fld id="{981BBF63-E19A-4E9D-9859-0AAB328DCAF2}" type="datetimeFigureOut">
               <a:rPr lang="en-GB" smtClean="0"/>
-              <a:t>29/07/2022</a:t>
+              <a:t>11/08/2022</a:t>
             </a:fld>
             <a:endParaRPr lang="en-GB"/>
           </a:p>
@@ -554,7 +1218,7 @@
           <a:p>
             <a:fld id="{981BBF63-E19A-4E9D-9859-0AAB328DCAF2}" type="datetimeFigureOut">
               <a:rPr lang="en-GB" smtClean="0"/>
-              <a:t>29/07/2022</a:t>
+              <a:t>11/08/2022</a:t>
             </a:fld>
             <a:endParaRPr lang="en-GB"/>
           </a:p>
@@ -764,7 +1428,7 @@
           <a:p>
             <a:fld id="{981BBF63-E19A-4E9D-9859-0AAB328DCAF2}" type="datetimeFigureOut">
               <a:rPr lang="en-GB" smtClean="0"/>
-              <a:t>29/07/2022</a:t>
+              <a:t>11/08/2022</a:t>
             </a:fld>
             <a:endParaRPr lang="en-GB"/>
           </a:p>
@@ -964,7 +1628,7 @@
           <a:p>
             <a:fld id="{981BBF63-E19A-4E9D-9859-0AAB328DCAF2}" type="datetimeFigureOut">
               <a:rPr lang="en-GB" smtClean="0"/>
-              <a:t>29/07/2022</a:t>
+              <a:t>11/08/2022</a:t>
             </a:fld>
             <a:endParaRPr lang="en-GB"/>
           </a:p>
@@ -1240,7 +1904,7 @@
           <a:p>
             <a:fld id="{981BBF63-E19A-4E9D-9859-0AAB328DCAF2}" type="datetimeFigureOut">
               <a:rPr lang="en-GB" smtClean="0"/>
-              <a:t>29/07/2022</a:t>
+              <a:t>11/08/2022</a:t>
             </a:fld>
             <a:endParaRPr lang="en-GB"/>
           </a:p>
@@ -1508,7 +2172,7 @@
           <a:p>
             <a:fld id="{981BBF63-E19A-4E9D-9859-0AAB328DCAF2}" type="datetimeFigureOut">
               <a:rPr lang="en-GB" smtClean="0"/>
-              <a:t>29/07/2022</a:t>
+              <a:t>11/08/2022</a:t>
             </a:fld>
             <a:endParaRPr lang="en-GB"/>
           </a:p>
@@ -1923,7 +2587,7 @@
           <a:p>
             <a:fld id="{981BBF63-E19A-4E9D-9859-0AAB328DCAF2}" type="datetimeFigureOut">
               <a:rPr lang="en-GB" smtClean="0"/>
-              <a:t>29/07/2022</a:t>
+              <a:t>11/08/2022</a:t>
             </a:fld>
             <a:endParaRPr lang="en-GB"/>
           </a:p>
@@ -2065,7 +2729,7 @@
           <a:p>
             <a:fld id="{981BBF63-E19A-4E9D-9859-0AAB328DCAF2}" type="datetimeFigureOut">
               <a:rPr lang="en-GB" smtClean="0"/>
-              <a:t>29/07/2022</a:t>
+              <a:t>11/08/2022</a:t>
             </a:fld>
             <a:endParaRPr lang="en-GB"/>
           </a:p>
@@ -2178,7 +2842,7 @@
           <a:p>
             <a:fld id="{981BBF63-E19A-4E9D-9859-0AAB328DCAF2}" type="datetimeFigureOut">
               <a:rPr lang="en-GB" smtClean="0"/>
-              <a:t>29/07/2022</a:t>
+              <a:t>11/08/2022</a:t>
             </a:fld>
             <a:endParaRPr lang="en-GB"/>
           </a:p>
@@ -2491,7 +3155,7 @@
           <a:p>
             <a:fld id="{981BBF63-E19A-4E9D-9859-0AAB328DCAF2}" type="datetimeFigureOut">
               <a:rPr lang="en-GB" smtClean="0"/>
-              <a:t>29/07/2022</a:t>
+              <a:t>11/08/2022</a:t>
             </a:fld>
             <a:endParaRPr lang="en-GB"/>
           </a:p>
@@ -2780,7 +3444,7 @@
           <a:p>
             <a:fld id="{981BBF63-E19A-4E9D-9859-0AAB328DCAF2}" type="datetimeFigureOut">
               <a:rPr lang="en-GB" smtClean="0"/>
-              <a:t>29/07/2022</a:t>
+              <a:t>11/08/2022</a:t>
             </a:fld>
             <a:endParaRPr lang="en-GB"/>
           </a:p>
@@ -3023,7 +3687,7 @@
           <a:p>
             <a:fld id="{981BBF63-E19A-4E9D-9859-0AAB328DCAF2}" type="datetimeFigureOut">
               <a:rPr lang="en-GB" smtClean="0"/>
-              <a:t>29/07/2022</a:t>
+              <a:t>11/08/2022</a:t>
             </a:fld>
             <a:endParaRPr lang="en-GB"/>
           </a:p>
@@ -3454,7 +4118,7 @@
         </p:nvSpPr>
         <p:spPr>
           <a:xfrm>
-            <a:off x="5088293" y="4991878"/>
+            <a:off x="5088291" y="6148873"/>
             <a:ext cx="2015413" cy="408623"/>
           </a:xfrm>
           <a:prstGeom prst="roundRect">
@@ -3495,7 +4159,7 @@
         </p:nvSpPr>
         <p:spPr>
           <a:xfrm>
-            <a:off x="1797696" y="394997"/>
+            <a:off x="3450769" y="507320"/>
             <a:ext cx="2015413" cy="408623"/>
           </a:xfrm>
           <a:prstGeom prst="roundRect">
@@ -3537,7 +4201,7 @@
         </p:nvSpPr>
         <p:spPr>
           <a:xfrm>
-            <a:off x="1797696" y="1791846"/>
+            <a:off x="3458544" y="1781061"/>
             <a:ext cx="2015413" cy="408623"/>
           </a:xfrm>
           <a:prstGeom prst="roundRect">
@@ -3579,7 +4243,7 @@
         </p:nvSpPr>
         <p:spPr>
           <a:xfrm>
-            <a:off x="5088293" y="3279519"/>
+            <a:off x="5391530" y="4898862"/>
             <a:ext cx="2015413" cy="408623"/>
           </a:xfrm>
           <a:prstGeom prst="roundRect">
@@ -3601,7 +4265,7 @@
             <a:pPr algn="ctr"/>
             <a:r>
               <a:rPr lang="en-GB" dirty="0"/>
-              <a:t>User</a:t>
+              <a:t>login</a:t>
             </a:r>
           </a:p>
         </p:txBody>
@@ -3620,7 +4284,7 @@
         </p:nvSpPr>
         <p:spPr>
           <a:xfrm>
-            <a:off x="8543729" y="3355911"/>
+            <a:off x="9893552" y="4898862"/>
             <a:ext cx="2015413" cy="408623"/>
           </a:xfrm>
           <a:prstGeom prst="roundRect">
@@ -3661,7 +4325,7 @@
         </p:nvSpPr>
         <p:spPr>
           <a:xfrm>
-            <a:off x="8543728" y="1785258"/>
+            <a:off x="7574900" y="4885657"/>
             <a:ext cx="2015413" cy="408623"/>
           </a:xfrm>
           <a:prstGeom prst="roundRect">
@@ -3703,9 +4367,9 @@
           <p:nvPr/>
         </p:nvCxnSpPr>
         <p:spPr>
-          <a:xfrm>
-            <a:off x="2802290" y="2379934"/>
-            <a:ext cx="0" cy="698538"/>
+          <a:xfrm flipH="1">
+            <a:off x="1387146" y="2196334"/>
+            <a:ext cx="1981205" cy="937849"/>
           </a:xfrm>
           <a:prstGeom prst="straightConnector1">
             <a:avLst/>
@@ -3748,8 +4412,8 @@
         </p:nvCxnSpPr>
         <p:spPr>
           <a:xfrm>
-            <a:off x="3943736" y="2015228"/>
-            <a:ext cx="1953211" cy="1145170"/>
+            <a:off x="5150502" y="2291235"/>
+            <a:ext cx="727775" cy="890287"/>
           </a:xfrm>
           <a:prstGeom prst="straightConnector1">
             <a:avLst/>
@@ -3792,8 +4456,8 @@
         </p:nvCxnSpPr>
         <p:spPr>
           <a:xfrm flipH="1">
-            <a:off x="7371184" y="3940628"/>
-            <a:ext cx="2015414" cy="967274"/>
+            <a:off x="6982414" y="5401637"/>
+            <a:ext cx="1489782" cy="671263"/>
           </a:xfrm>
           <a:prstGeom prst="straightConnector1">
             <a:avLst/>
@@ -3836,52 +4500,8 @@
         </p:nvCxnSpPr>
         <p:spPr>
           <a:xfrm>
-            <a:off x="6095998" y="3940628"/>
-            <a:ext cx="0" cy="921215"/>
-          </a:xfrm>
-          <a:prstGeom prst="straightConnector1">
-            <a:avLst/>
-          </a:prstGeom>
-          <a:ln>
-            <a:solidFill>
-              <a:schemeClr val="tx1"/>
-            </a:solidFill>
-            <a:tailEnd type="triangle"/>
-          </a:ln>
-        </p:spPr>
-        <p:style>
-          <a:lnRef idx="1">
-            <a:schemeClr val="accent1"/>
-          </a:lnRef>
-          <a:fillRef idx="0">
-            <a:schemeClr val="accent1"/>
-          </a:fillRef>
-          <a:effectRef idx="0">
-            <a:schemeClr val="accent1"/>
-          </a:effectRef>
-          <a:fontRef idx="minor">
-            <a:schemeClr val="tx1"/>
-          </a:fontRef>
-        </p:style>
-      </p:cxnSp>
-      <p:cxnSp>
-        <p:nvCxnSpPr>
-          <p:cNvPr id="24" name="Straight Arrow Connector 23">
-            <a:extLst>
-              <a:ext uri="{FF2B5EF4-FFF2-40B4-BE49-F238E27FC236}">
-                <a16:creationId xmlns:a16="http://schemas.microsoft.com/office/drawing/2014/main" id="{99814A31-EBC0-D080-22DD-ADDAC0B5891B}"/>
-              </a:ext>
-            </a:extLst>
-          </p:cNvPr>
-          <p:cNvCxnSpPr>
-            <a:cxnSpLocks/>
-          </p:cNvCxnSpPr>
-          <p:nvPr/>
-        </p:nvCxnSpPr>
-        <p:spPr>
-          <a:xfrm>
-            <a:off x="9576314" y="2268596"/>
-            <a:ext cx="0" cy="921215"/>
+            <a:off x="5952930" y="3797547"/>
+            <a:ext cx="143068" cy="1064296"/>
           </a:xfrm>
           <a:prstGeom prst="straightConnector1">
             <a:avLst/>
@@ -3924,8 +4544,8 @@
         </p:nvCxnSpPr>
         <p:spPr>
           <a:xfrm>
-            <a:off x="2802289" y="3764534"/>
-            <a:ext cx="2108722" cy="1348642"/>
+            <a:off x="1387146" y="3792169"/>
+            <a:ext cx="3581406" cy="2433131"/>
           </a:xfrm>
           <a:prstGeom prst="straightConnector1">
             <a:avLst/>
@@ -3968,7 +4588,7 @@
         </p:nvCxnSpPr>
         <p:spPr>
           <a:xfrm>
-            <a:off x="2805402" y="979714"/>
+            <a:off x="4488014" y="1026367"/>
             <a:ext cx="0" cy="653143"/>
           </a:xfrm>
           <a:prstGeom prst="straightConnector1">
@@ -4010,7 +4630,7 @@
         </p:nvSpPr>
         <p:spPr>
           <a:xfrm>
-            <a:off x="1794583" y="3254565"/>
+            <a:off x="422983" y="3274662"/>
             <a:ext cx="2015413" cy="408623"/>
           </a:xfrm>
           <a:prstGeom prst="roundRect">
@@ -4037,10 +4657,3167 @@
           </a:p>
         </p:txBody>
       </p:sp>
+      <p:cxnSp>
+        <p:nvCxnSpPr>
+          <p:cNvPr id="21" name="Straight Arrow Connector 20">
+            <a:extLst>
+              <a:ext uri="{FF2B5EF4-FFF2-40B4-BE49-F238E27FC236}">
+                <a16:creationId xmlns:a16="http://schemas.microsoft.com/office/drawing/2014/main" id="{9479D833-45E4-67C9-485A-39A8FB670178}"/>
+              </a:ext>
+            </a:extLst>
+          </p:cNvPr>
+          <p:cNvCxnSpPr>
+            <a:cxnSpLocks/>
+          </p:cNvCxnSpPr>
+          <p:nvPr/>
+        </p:nvCxnSpPr>
+        <p:spPr>
+          <a:xfrm flipH="1">
+            <a:off x="3813109" y="2319858"/>
+            <a:ext cx="60650" cy="790540"/>
+          </a:xfrm>
+          <a:prstGeom prst="straightConnector1">
+            <a:avLst/>
+          </a:prstGeom>
+          <a:ln>
+            <a:solidFill>
+              <a:schemeClr val="tx1"/>
+            </a:solidFill>
+            <a:tailEnd type="triangle"/>
+          </a:ln>
+        </p:spPr>
+        <p:style>
+          <a:lnRef idx="1">
+            <a:schemeClr val="accent1"/>
+          </a:lnRef>
+          <a:fillRef idx="0">
+            <a:schemeClr val="accent1"/>
+          </a:fillRef>
+          <a:effectRef idx="0">
+            <a:schemeClr val="accent1"/>
+          </a:effectRef>
+          <a:fontRef idx="minor">
+            <a:schemeClr val="tx1"/>
+          </a:fontRef>
+        </p:style>
+      </p:cxnSp>
+      <p:sp>
+        <p:nvSpPr>
+          <p:cNvPr id="23" name="TextBox 22">
+            <a:extLst>
+              <a:ext uri="{FF2B5EF4-FFF2-40B4-BE49-F238E27FC236}">
+                <a16:creationId xmlns:a16="http://schemas.microsoft.com/office/drawing/2014/main" id="{B5680912-4BDE-CF26-E4FD-42047868292A}"/>
+              </a:ext>
+            </a:extLst>
+          </p:cNvPr>
+          <p:cNvSpPr txBox="1"/>
+          <p:nvPr/>
+        </p:nvSpPr>
+        <p:spPr>
+          <a:xfrm>
+            <a:off x="4911013" y="3269735"/>
+            <a:ext cx="2015413" cy="408623"/>
+          </a:xfrm>
+          <a:prstGeom prst="roundRect">
+            <a:avLst/>
+          </a:prstGeom>
+          <a:noFill/>
+          <a:ln>
+            <a:solidFill>
+              <a:schemeClr val="tx1"/>
+            </a:solidFill>
+          </a:ln>
+        </p:spPr>
+        <p:txBody>
+          <a:bodyPr wrap="square" rtlCol="0">
+            <a:spAutoFit/>
+          </a:bodyPr>
+          <a:lstStyle/>
+          <a:p>
+            <a:pPr algn="ctr"/>
+            <a:r>
+              <a:rPr lang="en-GB" dirty="0" err="1"/>
+              <a:t>save_search</a:t>
+            </a:r>
+            <a:endParaRPr lang="en-GB" dirty="0"/>
+          </a:p>
+        </p:txBody>
+      </p:sp>
+      <p:cxnSp>
+        <p:nvCxnSpPr>
+          <p:cNvPr id="25" name="Straight Arrow Connector 24">
+            <a:extLst>
+              <a:ext uri="{FF2B5EF4-FFF2-40B4-BE49-F238E27FC236}">
+                <a16:creationId xmlns:a16="http://schemas.microsoft.com/office/drawing/2014/main" id="{39613C43-A992-B797-9241-2AE5B2D8B475}"/>
+              </a:ext>
+            </a:extLst>
+          </p:cNvPr>
+          <p:cNvCxnSpPr>
+            <a:cxnSpLocks/>
+          </p:cNvCxnSpPr>
+          <p:nvPr/>
+        </p:nvCxnSpPr>
+        <p:spPr>
+          <a:xfrm>
+            <a:off x="4018382" y="3797547"/>
+            <a:ext cx="1281421" cy="2223302"/>
+          </a:xfrm>
+          <a:prstGeom prst="straightConnector1">
+            <a:avLst/>
+          </a:prstGeom>
+          <a:ln>
+            <a:solidFill>
+              <a:schemeClr val="tx1"/>
+            </a:solidFill>
+            <a:tailEnd type="triangle"/>
+          </a:ln>
+        </p:spPr>
+        <p:style>
+          <a:lnRef idx="1">
+            <a:schemeClr val="accent1"/>
+          </a:lnRef>
+          <a:fillRef idx="0">
+            <a:schemeClr val="accent1"/>
+          </a:fillRef>
+          <a:effectRef idx="0">
+            <a:schemeClr val="accent1"/>
+          </a:effectRef>
+          <a:fontRef idx="minor">
+            <a:schemeClr val="tx1"/>
+          </a:fontRef>
+        </p:style>
+      </p:cxnSp>
+      <p:sp>
+        <p:nvSpPr>
+          <p:cNvPr id="26" name="TextBox 25">
+            <a:extLst>
+              <a:ext uri="{FF2B5EF4-FFF2-40B4-BE49-F238E27FC236}">
+                <a16:creationId xmlns:a16="http://schemas.microsoft.com/office/drawing/2014/main" id="{B5FB3183-19A4-26E2-EA5E-51ECF70C0A84}"/>
+              </a:ext>
+            </a:extLst>
+          </p:cNvPr>
+          <p:cNvSpPr txBox="1"/>
+          <p:nvPr/>
+        </p:nvSpPr>
+        <p:spPr>
+          <a:xfrm>
+            <a:off x="2656116" y="3264357"/>
+            <a:ext cx="2015413" cy="408623"/>
+          </a:xfrm>
+          <a:prstGeom prst="roundRect">
+            <a:avLst/>
+          </a:prstGeom>
+          <a:noFill/>
+          <a:ln>
+            <a:solidFill>
+              <a:schemeClr val="tx1"/>
+            </a:solidFill>
+          </a:ln>
+        </p:spPr>
+        <p:txBody>
+          <a:bodyPr wrap="square" rtlCol="0">
+            <a:spAutoFit/>
+          </a:bodyPr>
+          <a:lstStyle/>
+          <a:p>
+            <a:pPr algn="ctr"/>
+            <a:r>
+              <a:rPr lang="en-GB" dirty="0" err="1"/>
+              <a:t>area_advice</a:t>
+            </a:r>
+            <a:endParaRPr lang="en-GB" dirty="0"/>
+          </a:p>
+        </p:txBody>
+      </p:sp>
+      <p:cxnSp>
+        <p:nvCxnSpPr>
+          <p:cNvPr id="30" name="Straight Arrow Connector 29">
+            <a:extLst>
+              <a:ext uri="{FF2B5EF4-FFF2-40B4-BE49-F238E27FC236}">
+                <a16:creationId xmlns:a16="http://schemas.microsoft.com/office/drawing/2014/main" id="{362414A1-DC80-678A-3666-95F8EB0807E4}"/>
+              </a:ext>
+            </a:extLst>
+          </p:cNvPr>
+          <p:cNvCxnSpPr>
+            <a:cxnSpLocks/>
+          </p:cNvCxnSpPr>
+          <p:nvPr/>
+        </p:nvCxnSpPr>
+        <p:spPr>
+          <a:xfrm>
+            <a:off x="5579706" y="2211402"/>
+            <a:ext cx="2310871" cy="933458"/>
+          </a:xfrm>
+          <a:prstGeom prst="straightConnector1">
+            <a:avLst/>
+          </a:prstGeom>
+          <a:ln>
+            <a:solidFill>
+              <a:schemeClr val="tx1"/>
+            </a:solidFill>
+            <a:tailEnd type="triangle"/>
+          </a:ln>
+        </p:spPr>
+        <p:style>
+          <a:lnRef idx="1">
+            <a:schemeClr val="accent1"/>
+          </a:lnRef>
+          <a:fillRef idx="0">
+            <a:schemeClr val="accent1"/>
+          </a:fillRef>
+          <a:effectRef idx="0">
+            <a:schemeClr val="accent1"/>
+          </a:effectRef>
+          <a:fontRef idx="minor">
+            <a:schemeClr val="tx1"/>
+          </a:fontRef>
+        </p:style>
+      </p:cxnSp>
+      <p:cxnSp>
+        <p:nvCxnSpPr>
+          <p:cNvPr id="37" name="Straight Arrow Connector 36">
+            <a:extLst>
+              <a:ext uri="{FF2B5EF4-FFF2-40B4-BE49-F238E27FC236}">
+                <a16:creationId xmlns:a16="http://schemas.microsoft.com/office/drawing/2014/main" id="{8987E546-7871-393D-460F-D6E51A7ADB25}"/>
+              </a:ext>
+            </a:extLst>
+          </p:cNvPr>
+          <p:cNvCxnSpPr>
+            <a:cxnSpLocks/>
+          </p:cNvCxnSpPr>
+          <p:nvPr/>
+        </p:nvCxnSpPr>
+        <p:spPr>
+          <a:xfrm flipH="1">
+            <a:off x="6882871" y="3782479"/>
+            <a:ext cx="1041929" cy="1079364"/>
+          </a:xfrm>
+          <a:prstGeom prst="straightConnector1">
+            <a:avLst/>
+          </a:prstGeom>
+          <a:ln>
+            <a:solidFill>
+              <a:schemeClr val="tx1"/>
+            </a:solidFill>
+            <a:tailEnd type="triangle"/>
+          </a:ln>
+        </p:spPr>
+        <p:style>
+          <a:lnRef idx="1">
+            <a:schemeClr val="accent1"/>
+          </a:lnRef>
+          <a:fillRef idx="0">
+            <a:schemeClr val="accent1"/>
+          </a:fillRef>
+          <a:effectRef idx="0">
+            <a:schemeClr val="accent1"/>
+          </a:effectRef>
+          <a:fontRef idx="minor">
+            <a:schemeClr val="tx1"/>
+          </a:fontRef>
+        </p:style>
+      </p:cxnSp>
+      <p:sp>
+        <p:nvSpPr>
+          <p:cNvPr id="27" name="TextBox 26">
+            <a:extLst>
+              <a:ext uri="{FF2B5EF4-FFF2-40B4-BE49-F238E27FC236}">
+                <a16:creationId xmlns:a16="http://schemas.microsoft.com/office/drawing/2014/main" id="{46F23970-675E-7CB9-C8A2-F2327341D950}"/>
+              </a:ext>
+            </a:extLst>
+          </p:cNvPr>
+          <p:cNvSpPr txBox="1"/>
+          <p:nvPr/>
+        </p:nvSpPr>
+        <p:spPr>
+          <a:xfrm>
+            <a:off x="7165910" y="1787711"/>
+            <a:ext cx="2015413" cy="408623"/>
+          </a:xfrm>
+          <a:prstGeom prst="roundRect">
+            <a:avLst/>
+          </a:prstGeom>
+          <a:noFill/>
+          <a:ln>
+            <a:solidFill>
+              <a:schemeClr val="tx1"/>
+            </a:solidFill>
+          </a:ln>
+        </p:spPr>
+        <p:txBody>
+          <a:bodyPr wrap="square" rtlCol="0">
+            <a:spAutoFit/>
+          </a:bodyPr>
+          <a:lstStyle/>
+          <a:p>
+            <a:pPr algn="ctr"/>
+            <a:r>
+              <a:rPr lang="en-GB" dirty="0"/>
+              <a:t>hashing</a:t>
+            </a:r>
+          </a:p>
+        </p:txBody>
+      </p:sp>
+      <p:sp>
+        <p:nvSpPr>
+          <p:cNvPr id="29" name="TextBox 28">
+            <a:extLst>
+              <a:ext uri="{FF2B5EF4-FFF2-40B4-BE49-F238E27FC236}">
+                <a16:creationId xmlns:a16="http://schemas.microsoft.com/office/drawing/2014/main" id="{25F51B4B-C26D-1776-7EC4-5E794BDA63E1}"/>
+              </a:ext>
+            </a:extLst>
+          </p:cNvPr>
+          <p:cNvSpPr txBox="1"/>
+          <p:nvPr/>
+        </p:nvSpPr>
+        <p:spPr>
+          <a:xfrm>
+            <a:off x="7165910" y="3252726"/>
+            <a:ext cx="2015413" cy="408623"/>
+          </a:xfrm>
+          <a:prstGeom prst="roundRect">
+            <a:avLst/>
+          </a:prstGeom>
+          <a:noFill/>
+          <a:ln>
+            <a:solidFill>
+              <a:schemeClr val="tx1"/>
+            </a:solidFill>
+          </a:ln>
+        </p:spPr>
+        <p:txBody>
+          <a:bodyPr wrap="square" rtlCol="0">
+            <a:spAutoFit/>
+          </a:bodyPr>
+          <a:lstStyle/>
+          <a:p>
+            <a:pPr algn="ctr"/>
+            <a:r>
+              <a:rPr lang="en-GB" dirty="0" err="1"/>
+              <a:t>dbutils</a:t>
+            </a:r>
+            <a:endParaRPr lang="en-GB" dirty="0"/>
+          </a:p>
+        </p:txBody>
+      </p:sp>
+      <p:cxnSp>
+        <p:nvCxnSpPr>
+          <p:cNvPr id="32" name="Straight Arrow Connector 31">
+            <a:extLst>
+              <a:ext uri="{FF2B5EF4-FFF2-40B4-BE49-F238E27FC236}">
+                <a16:creationId xmlns:a16="http://schemas.microsoft.com/office/drawing/2014/main" id="{122D5A42-C0C6-8A10-6331-3CCF46ABF613}"/>
+              </a:ext>
+            </a:extLst>
+          </p:cNvPr>
+          <p:cNvCxnSpPr>
+            <a:cxnSpLocks/>
+          </p:cNvCxnSpPr>
+          <p:nvPr/>
+        </p:nvCxnSpPr>
+        <p:spPr>
+          <a:xfrm>
+            <a:off x="8142510" y="2299512"/>
+            <a:ext cx="0" cy="839656"/>
+          </a:xfrm>
+          <a:prstGeom prst="straightConnector1">
+            <a:avLst/>
+          </a:prstGeom>
+          <a:ln>
+            <a:tailEnd type="triangle"/>
+          </a:ln>
+        </p:spPr>
+        <p:style>
+          <a:lnRef idx="1">
+            <a:schemeClr val="dk1"/>
+          </a:lnRef>
+          <a:fillRef idx="0">
+            <a:schemeClr val="dk1"/>
+          </a:fillRef>
+          <a:effectRef idx="0">
+            <a:schemeClr val="dk1"/>
+          </a:effectRef>
+          <a:fontRef idx="minor">
+            <a:schemeClr val="tx1"/>
+          </a:fontRef>
+        </p:style>
+      </p:cxnSp>
+      <p:cxnSp>
+        <p:nvCxnSpPr>
+          <p:cNvPr id="44" name="Straight Arrow Connector 43">
+            <a:extLst>
+              <a:ext uri="{FF2B5EF4-FFF2-40B4-BE49-F238E27FC236}">
+                <a16:creationId xmlns:a16="http://schemas.microsoft.com/office/drawing/2014/main" id="{68316C74-8075-9B68-3DF9-C0478434E580}"/>
+              </a:ext>
+            </a:extLst>
+          </p:cNvPr>
+          <p:cNvCxnSpPr>
+            <a:cxnSpLocks/>
+          </p:cNvCxnSpPr>
+          <p:nvPr/>
+        </p:nvCxnSpPr>
+        <p:spPr>
+          <a:xfrm>
+            <a:off x="6307490" y="5433021"/>
+            <a:ext cx="0" cy="587828"/>
+          </a:xfrm>
+          <a:prstGeom prst="straightConnector1">
+            <a:avLst/>
+          </a:prstGeom>
+          <a:ln>
+            <a:tailEnd type="triangle"/>
+          </a:ln>
+        </p:spPr>
+        <p:style>
+          <a:lnRef idx="1">
+            <a:schemeClr val="dk1"/>
+          </a:lnRef>
+          <a:fillRef idx="0">
+            <a:schemeClr val="dk1"/>
+          </a:fillRef>
+          <a:effectRef idx="0">
+            <a:schemeClr val="dk1"/>
+          </a:effectRef>
+          <a:fontRef idx="minor">
+            <a:schemeClr val="tx1"/>
+          </a:fontRef>
+        </p:style>
+      </p:cxnSp>
+      <p:cxnSp>
+        <p:nvCxnSpPr>
+          <p:cNvPr id="47" name="Straight Arrow Connector 46">
+            <a:extLst>
+              <a:ext uri="{FF2B5EF4-FFF2-40B4-BE49-F238E27FC236}">
+                <a16:creationId xmlns:a16="http://schemas.microsoft.com/office/drawing/2014/main" id="{B03612F4-EE8E-A83C-B92F-1634E33A6C5D}"/>
+              </a:ext>
+            </a:extLst>
+          </p:cNvPr>
+          <p:cNvCxnSpPr>
+            <a:cxnSpLocks/>
+          </p:cNvCxnSpPr>
+          <p:nvPr/>
+        </p:nvCxnSpPr>
+        <p:spPr>
+          <a:xfrm flipH="1">
+            <a:off x="7263896" y="5414842"/>
+            <a:ext cx="3637362" cy="810458"/>
+          </a:xfrm>
+          <a:prstGeom prst="straightConnector1">
+            <a:avLst/>
+          </a:prstGeom>
+          <a:ln>
+            <a:solidFill>
+              <a:schemeClr val="tx1"/>
+            </a:solidFill>
+            <a:tailEnd type="triangle"/>
+          </a:ln>
+        </p:spPr>
+        <p:style>
+          <a:lnRef idx="1">
+            <a:schemeClr val="accent1"/>
+          </a:lnRef>
+          <a:fillRef idx="0">
+            <a:schemeClr val="accent1"/>
+          </a:fillRef>
+          <a:effectRef idx="0">
+            <a:schemeClr val="accent1"/>
+          </a:effectRef>
+          <a:fontRef idx="minor">
+            <a:schemeClr val="tx1"/>
+          </a:fontRef>
+        </p:style>
+      </p:cxnSp>
+      <p:sp>
+        <p:nvSpPr>
+          <p:cNvPr id="3" name="TextBox 2">
+            <a:extLst>
+              <a:ext uri="{FF2B5EF4-FFF2-40B4-BE49-F238E27FC236}">
+                <a16:creationId xmlns:a16="http://schemas.microsoft.com/office/drawing/2014/main" id="{E8E384A9-A147-0758-333F-8D3A74CFF1DF}"/>
+              </a:ext>
+            </a:extLst>
+          </p:cNvPr>
+          <p:cNvSpPr txBox="1"/>
+          <p:nvPr/>
+        </p:nvSpPr>
+        <p:spPr>
+          <a:xfrm>
+            <a:off x="1015478" y="6044908"/>
+            <a:ext cx="2015413" cy="408623"/>
+          </a:xfrm>
+          <a:prstGeom prst="roundRect">
+            <a:avLst/>
+          </a:prstGeom>
+          <a:noFill/>
+          <a:ln>
+            <a:solidFill>
+              <a:schemeClr val="tx1"/>
+            </a:solidFill>
+          </a:ln>
+        </p:spPr>
+        <p:txBody>
+          <a:bodyPr wrap="square" rtlCol="0">
+            <a:spAutoFit/>
+          </a:bodyPr>
+          <a:lstStyle/>
+          <a:p>
+            <a:pPr algn="ctr"/>
+            <a:r>
+              <a:rPr lang="en-GB" dirty="0" err="1"/>
+              <a:t>yes_no_input</a:t>
+            </a:r>
+            <a:endParaRPr lang="en-GB" dirty="0"/>
+          </a:p>
+        </p:txBody>
+      </p:sp>
+      <p:sp>
+        <p:nvSpPr>
+          <p:cNvPr id="10" name="Star: 5 Points 9">
+            <a:extLst>
+              <a:ext uri="{FF2B5EF4-FFF2-40B4-BE49-F238E27FC236}">
+                <a16:creationId xmlns:a16="http://schemas.microsoft.com/office/drawing/2014/main" id="{80CFB7F2-8D3F-03AA-E8F7-D465640E29B3}"/>
+              </a:ext>
+            </a:extLst>
+          </p:cNvPr>
+          <p:cNvSpPr/>
+          <p:nvPr/>
+        </p:nvSpPr>
+        <p:spPr>
+          <a:xfrm>
+            <a:off x="459530" y="6147571"/>
+            <a:ext cx="177282" cy="184831"/>
+          </a:xfrm>
+          <a:prstGeom prst="star5">
+            <a:avLst/>
+          </a:prstGeom>
+          <a:solidFill>
+            <a:srgbClr val="7030A0"/>
+          </a:solidFill>
+          <a:ln>
+            <a:solidFill>
+              <a:srgbClr val="7030A0"/>
+            </a:solidFill>
+          </a:ln>
+        </p:spPr>
+        <p:style>
+          <a:lnRef idx="2">
+            <a:schemeClr val="accent1">
+              <a:shade val="50000"/>
+            </a:schemeClr>
+          </a:lnRef>
+          <a:fillRef idx="1">
+            <a:schemeClr val="accent1"/>
+          </a:fillRef>
+          <a:effectRef idx="0">
+            <a:schemeClr val="accent1"/>
+          </a:effectRef>
+          <a:fontRef idx="minor">
+            <a:schemeClr val="lt1"/>
+          </a:fontRef>
+        </p:style>
+        <p:txBody>
+          <a:bodyPr rtlCol="0" anchor="ctr"/>
+          <a:lstStyle/>
+          <a:p>
+            <a:pPr algn="ctr"/>
+            <a:endParaRPr lang="en-GB"/>
+          </a:p>
+        </p:txBody>
+      </p:sp>
+      <p:sp>
+        <p:nvSpPr>
+          <p:cNvPr id="11" name="TextBox 10">
+            <a:extLst>
+              <a:ext uri="{FF2B5EF4-FFF2-40B4-BE49-F238E27FC236}">
+                <a16:creationId xmlns:a16="http://schemas.microsoft.com/office/drawing/2014/main" id="{45E60877-C867-130F-B1D1-03A5A431286E}"/>
+              </a:ext>
+            </a:extLst>
+          </p:cNvPr>
+          <p:cNvSpPr txBox="1"/>
+          <p:nvPr/>
+        </p:nvSpPr>
+        <p:spPr>
+          <a:xfrm>
+            <a:off x="684227" y="6072900"/>
+            <a:ext cx="177282" cy="369332"/>
+          </a:xfrm>
+          <a:prstGeom prst="rect">
+            <a:avLst/>
+          </a:prstGeom>
+          <a:noFill/>
+        </p:spPr>
+        <p:txBody>
+          <a:bodyPr wrap="square" rtlCol="0">
+            <a:spAutoFit/>
+          </a:bodyPr>
+          <a:lstStyle/>
+          <a:p>
+            <a:r>
+              <a:rPr lang="en-GB" dirty="0"/>
+              <a:t>=</a:t>
+            </a:r>
+          </a:p>
+        </p:txBody>
+      </p:sp>
+      <p:sp>
+        <p:nvSpPr>
+          <p:cNvPr id="12" name="Star: 5 Points 11">
+            <a:extLst>
+              <a:ext uri="{FF2B5EF4-FFF2-40B4-BE49-F238E27FC236}">
+                <a16:creationId xmlns:a16="http://schemas.microsoft.com/office/drawing/2014/main" id="{FF578C96-21AC-BC45-47E6-F6DFCB79FA7D}"/>
+              </a:ext>
+            </a:extLst>
+          </p:cNvPr>
+          <p:cNvSpPr/>
+          <p:nvPr/>
+        </p:nvSpPr>
+        <p:spPr>
+          <a:xfrm>
+            <a:off x="6700911" y="6272087"/>
+            <a:ext cx="177282" cy="184831"/>
+          </a:xfrm>
+          <a:prstGeom prst="star5">
+            <a:avLst/>
+          </a:prstGeom>
+          <a:solidFill>
+            <a:srgbClr val="7030A0"/>
+          </a:solidFill>
+          <a:ln>
+            <a:solidFill>
+              <a:srgbClr val="7030A0"/>
+            </a:solidFill>
+          </a:ln>
+        </p:spPr>
+        <p:style>
+          <a:lnRef idx="2">
+            <a:schemeClr val="accent1">
+              <a:shade val="50000"/>
+            </a:schemeClr>
+          </a:lnRef>
+          <a:fillRef idx="1">
+            <a:schemeClr val="accent1"/>
+          </a:fillRef>
+          <a:effectRef idx="0">
+            <a:schemeClr val="accent1"/>
+          </a:effectRef>
+          <a:fontRef idx="minor">
+            <a:schemeClr val="lt1"/>
+          </a:fontRef>
+        </p:style>
+        <p:txBody>
+          <a:bodyPr rtlCol="0" anchor="ctr"/>
+          <a:lstStyle/>
+          <a:p>
+            <a:pPr algn="ctr"/>
+            <a:endParaRPr lang="en-GB"/>
+          </a:p>
+        </p:txBody>
+      </p:sp>
+      <p:sp>
+        <p:nvSpPr>
+          <p:cNvPr id="13" name="Star: 5 Points 12">
+            <a:extLst>
+              <a:ext uri="{FF2B5EF4-FFF2-40B4-BE49-F238E27FC236}">
+                <a16:creationId xmlns:a16="http://schemas.microsoft.com/office/drawing/2014/main" id="{30ACA3D2-83B3-5432-4194-732E20EAA387}"/>
+              </a:ext>
+            </a:extLst>
+          </p:cNvPr>
+          <p:cNvSpPr/>
+          <p:nvPr/>
+        </p:nvSpPr>
+        <p:spPr>
+          <a:xfrm>
+            <a:off x="7015063" y="5010757"/>
+            <a:ext cx="177282" cy="184831"/>
+          </a:xfrm>
+          <a:prstGeom prst="star5">
+            <a:avLst/>
+          </a:prstGeom>
+          <a:solidFill>
+            <a:srgbClr val="7030A0"/>
+          </a:solidFill>
+          <a:ln>
+            <a:solidFill>
+              <a:srgbClr val="7030A0"/>
+            </a:solidFill>
+          </a:ln>
+        </p:spPr>
+        <p:style>
+          <a:lnRef idx="2">
+            <a:schemeClr val="accent1">
+              <a:shade val="50000"/>
+            </a:schemeClr>
+          </a:lnRef>
+          <a:fillRef idx="1">
+            <a:schemeClr val="accent1"/>
+          </a:fillRef>
+          <a:effectRef idx="0">
+            <a:schemeClr val="accent1"/>
+          </a:effectRef>
+          <a:fontRef idx="minor">
+            <a:schemeClr val="lt1"/>
+          </a:fontRef>
+        </p:style>
+        <p:txBody>
+          <a:bodyPr rtlCol="0" anchor="ctr"/>
+          <a:lstStyle/>
+          <a:p>
+            <a:pPr algn="ctr"/>
+            <a:endParaRPr lang="en-GB"/>
+          </a:p>
+        </p:txBody>
+      </p:sp>
+      <p:sp>
+        <p:nvSpPr>
+          <p:cNvPr id="15" name="Star: 5 Points 14">
+            <a:extLst>
+              <a:ext uri="{FF2B5EF4-FFF2-40B4-BE49-F238E27FC236}">
+                <a16:creationId xmlns:a16="http://schemas.microsoft.com/office/drawing/2014/main" id="{784C3F6E-8CE2-4BDB-CDE2-E74A83F022AE}"/>
+              </a:ext>
+            </a:extLst>
+          </p:cNvPr>
+          <p:cNvSpPr/>
+          <p:nvPr/>
+        </p:nvSpPr>
+        <p:spPr>
+          <a:xfrm>
+            <a:off x="9265260" y="4974459"/>
+            <a:ext cx="177282" cy="184831"/>
+          </a:xfrm>
+          <a:prstGeom prst="star5">
+            <a:avLst/>
+          </a:prstGeom>
+          <a:solidFill>
+            <a:srgbClr val="7030A0"/>
+          </a:solidFill>
+          <a:ln>
+            <a:solidFill>
+              <a:srgbClr val="7030A0"/>
+            </a:solidFill>
+          </a:ln>
+        </p:spPr>
+        <p:style>
+          <a:lnRef idx="2">
+            <a:schemeClr val="accent1">
+              <a:shade val="50000"/>
+            </a:schemeClr>
+          </a:lnRef>
+          <a:fillRef idx="1">
+            <a:schemeClr val="accent1"/>
+          </a:fillRef>
+          <a:effectRef idx="0">
+            <a:schemeClr val="accent1"/>
+          </a:effectRef>
+          <a:fontRef idx="minor">
+            <a:schemeClr val="lt1"/>
+          </a:fontRef>
+        </p:style>
+        <p:txBody>
+          <a:bodyPr rtlCol="0" anchor="ctr"/>
+          <a:lstStyle/>
+          <a:p>
+            <a:pPr algn="ctr"/>
+            <a:endParaRPr lang="en-GB"/>
+          </a:p>
+        </p:txBody>
+      </p:sp>
     </p:spTree>
     <p:extLst>
       <p:ext uri="{BB962C8B-B14F-4D97-AF65-F5344CB8AC3E}">
         <p14:creationId xmlns:p14="http://schemas.microsoft.com/office/powerpoint/2010/main" val="3799687021"/>
+      </p:ext>
+    </p:extLst>
+  </p:cSld>
+  <p:clrMapOvr>
+    <a:masterClrMapping/>
+  </p:clrMapOvr>
+</p:sld>
+</file>
+
+<file path=ppt/slides/slide2.xml><?xml version="1.0" encoding="utf-8"?>
+<p:sld xmlns:a="http://schemas.openxmlformats.org/drawingml/2006/main" xmlns:r="http://schemas.openxmlformats.org/officeDocument/2006/relationships" xmlns:p="http://schemas.openxmlformats.org/presentationml/2006/main">
+  <p:cSld>
+    <p:spTree>
+      <p:nvGrpSpPr>
+        <p:cNvPr id="1" name=""/>
+        <p:cNvGrpSpPr/>
+        <p:nvPr/>
+      </p:nvGrpSpPr>
+      <p:grpSpPr>
+        <a:xfrm>
+          <a:off x="0" y="0"/>
+          <a:ext cx="0" cy="0"/>
+          <a:chOff x="0" y="0"/>
+          <a:chExt cx="0" cy="0"/>
+        </a:xfrm>
+      </p:grpSpPr>
+      <p:pic>
+        <p:nvPicPr>
+          <p:cNvPr id="3" name="Picture 2">
+            <a:extLst>
+              <a:ext uri="{FF2B5EF4-FFF2-40B4-BE49-F238E27FC236}">
+                <a16:creationId xmlns:a16="http://schemas.microsoft.com/office/drawing/2014/main" id="{43010122-05DF-A86E-6C81-383DA3D913E9}"/>
+              </a:ext>
+            </a:extLst>
+          </p:cNvPr>
+          <p:cNvPicPr>
+            <a:picLocks noChangeAspect="1"/>
+          </p:cNvPicPr>
+          <p:nvPr/>
+        </p:nvPicPr>
+        <p:blipFill>
+          <a:blip r:embed="rId2"/>
+          <a:stretch>
+            <a:fillRect/>
+          </a:stretch>
+        </p:blipFill>
+        <p:spPr>
+          <a:xfrm>
+            <a:off x="343925" y="359398"/>
+            <a:ext cx="11504149" cy="6139204"/>
+          </a:xfrm>
+          <a:prstGeom prst="rect">
+            <a:avLst/>
+          </a:prstGeom>
+        </p:spPr>
+      </p:pic>
+    </p:spTree>
+    <p:extLst>
+      <p:ext uri="{BB962C8B-B14F-4D97-AF65-F5344CB8AC3E}">
+        <p14:creationId xmlns:p14="http://schemas.microsoft.com/office/powerpoint/2010/main" val="1318413866"/>
+      </p:ext>
+    </p:extLst>
+  </p:cSld>
+  <p:clrMapOvr>
+    <a:masterClrMapping/>
+  </p:clrMapOvr>
+</p:sld>
+</file>
+
+<file path=ppt/slides/slide3.xml><?xml version="1.0" encoding="utf-8"?>
+<p:sld xmlns:a="http://schemas.openxmlformats.org/drawingml/2006/main" xmlns:r="http://schemas.openxmlformats.org/officeDocument/2006/relationships" xmlns:p="http://schemas.openxmlformats.org/presentationml/2006/main">
+  <p:cSld>
+    <p:spTree>
+      <p:nvGrpSpPr>
+        <p:cNvPr id="1" name=""/>
+        <p:cNvGrpSpPr/>
+        <p:nvPr/>
+      </p:nvGrpSpPr>
+      <p:grpSpPr>
+        <a:xfrm>
+          <a:off x="0" y="0"/>
+          <a:ext cx="0" cy="0"/>
+          <a:chOff x="0" y="0"/>
+          <a:chExt cx="0" cy="0"/>
+        </a:xfrm>
+      </p:grpSpPr>
+      <p:sp>
+        <p:nvSpPr>
+          <p:cNvPr id="13" name="Rectangle 12">
+            <a:extLst>
+              <a:ext uri="{FF2B5EF4-FFF2-40B4-BE49-F238E27FC236}">
+                <a16:creationId xmlns:a16="http://schemas.microsoft.com/office/drawing/2014/main" id="{F8BDDF8B-BE06-C890-2A74-CED739F1F403}"/>
+              </a:ext>
+            </a:extLst>
+          </p:cNvPr>
+          <p:cNvSpPr/>
+          <p:nvPr/>
+        </p:nvSpPr>
+        <p:spPr>
+          <a:xfrm>
+            <a:off x="0" y="6858000"/>
+            <a:ext cx="12192000" cy="6120000"/>
+          </a:xfrm>
+          <a:prstGeom prst="rect">
+            <a:avLst/>
+          </a:prstGeom>
+        </p:spPr>
+        <p:style>
+          <a:lnRef idx="2">
+            <a:schemeClr val="accent1">
+              <a:shade val="50000"/>
+            </a:schemeClr>
+          </a:lnRef>
+          <a:fillRef idx="1">
+            <a:schemeClr val="accent1"/>
+          </a:fillRef>
+          <a:effectRef idx="0">
+            <a:schemeClr val="accent1"/>
+          </a:effectRef>
+          <a:fontRef idx="minor">
+            <a:schemeClr val="lt1"/>
+          </a:fontRef>
+        </p:style>
+        <p:txBody>
+          <a:bodyPr rtlCol="0" anchor="ctr"/>
+          <a:lstStyle/>
+          <a:p>
+            <a:pPr algn="ctr"/>
+            <a:endParaRPr lang="en-GB"/>
+          </a:p>
+        </p:txBody>
+      </p:sp>
+      <p:sp>
+        <p:nvSpPr>
+          <p:cNvPr id="15" name="Rectangle 14">
+            <a:extLst>
+              <a:ext uri="{FF2B5EF4-FFF2-40B4-BE49-F238E27FC236}">
+                <a16:creationId xmlns:a16="http://schemas.microsoft.com/office/drawing/2014/main" id="{47A109FF-2CC8-9B7B-4126-6D3E03D10B94}"/>
+              </a:ext>
+            </a:extLst>
+          </p:cNvPr>
+          <p:cNvSpPr/>
+          <p:nvPr/>
+        </p:nvSpPr>
+        <p:spPr>
+          <a:xfrm>
+            <a:off x="0" y="-5408667"/>
+            <a:ext cx="12192000" cy="5400000"/>
+          </a:xfrm>
+          <a:prstGeom prst="rect">
+            <a:avLst/>
+          </a:prstGeom>
+        </p:spPr>
+        <p:style>
+          <a:lnRef idx="2">
+            <a:schemeClr val="accent1">
+              <a:shade val="50000"/>
+            </a:schemeClr>
+          </a:lnRef>
+          <a:fillRef idx="1">
+            <a:schemeClr val="accent1"/>
+          </a:fillRef>
+          <a:effectRef idx="0">
+            <a:schemeClr val="accent1"/>
+          </a:effectRef>
+          <a:fontRef idx="minor">
+            <a:schemeClr val="lt1"/>
+          </a:fontRef>
+        </p:style>
+        <p:txBody>
+          <a:bodyPr rtlCol="0" anchor="ctr"/>
+          <a:lstStyle/>
+          <a:p>
+            <a:pPr algn="ctr"/>
+            <a:endParaRPr lang="en-GB"/>
+          </a:p>
+        </p:txBody>
+      </p:sp>
+      <p:grpSp>
+        <p:nvGrpSpPr>
+          <p:cNvPr id="71" name="Group 70">
+            <a:extLst>
+              <a:ext uri="{FF2B5EF4-FFF2-40B4-BE49-F238E27FC236}">
+                <a16:creationId xmlns:a16="http://schemas.microsoft.com/office/drawing/2014/main" id="{5D8AA3F7-0F79-68DC-F9E8-D673D5550B65}"/>
+              </a:ext>
+            </a:extLst>
+          </p:cNvPr>
+          <p:cNvGrpSpPr/>
+          <p:nvPr/>
+        </p:nvGrpSpPr>
+        <p:grpSpPr>
+          <a:xfrm>
+            <a:off x="2077005" y="-1322989"/>
+            <a:ext cx="5351279" cy="14702303"/>
+            <a:chOff x="2077005" y="-1322989"/>
+            <a:chExt cx="5351279" cy="14702303"/>
+          </a:xfrm>
+        </p:grpSpPr>
+        <p:sp>
+          <p:nvSpPr>
+            <p:cNvPr id="4" name="Diamond 3">
+              <a:extLst>
+                <a:ext uri="{FF2B5EF4-FFF2-40B4-BE49-F238E27FC236}">
+                  <a16:creationId xmlns:a16="http://schemas.microsoft.com/office/drawing/2014/main" id="{F253DE0F-767F-1397-055E-6376FEFE7082}"/>
+                </a:ext>
+              </a:extLst>
+            </p:cNvPr>
+            <p:cNvSpPr/>
+            <p:nvPr/>
+          </p:nvSpPr>
+          <p:spPr>
+            <a:xfrm>
+              <a:off x="2640561" y="838977"/>
+              <a:ext cx="1800000" cy="720000"/>
+            </a:xfrm>
+            <a:prstGeom prst="diamond">
+              <a:avLst/>
+            </a:prstGeom>
+            <a:noFill/>
+            <a:ln>
+              <a:solidFill>
+                <a:schemeClr val="tx1"/>
+              </a:solidFill>
+            </a:ln>
+          </p:spPr>
+          <p:style>
+            <a:lnRef idx="2">
+              <a:schemeClr val="accent1">
+                <a:shade val="50000"/>
+              </a:schemeClr>
+            </a:lnRef>
+            <a:fillRef idx="1">
+              <a:schemeClr val="accent1"/>
+            </a:fillRef>
+            <a:effectRef idx="0">
+              <a:schemeClr val="accent1"/>
+            </a:effectRef>
+            <a:fontRef idx="minor">
+              <a:schemeClr val="lt1"/>
+            </a:fontRef>
+          </p:style>
+          <p:txBody>
+            <a:bodyPr rtlCol="0" anchor="ctr"/>
+            <a:lstStyle/>
+            <a:p>
+              <a:pPr algn="ctr"/>
+              <a:r>
+                <a:rPr lang="en-GB" sz="1100" dirty="0">
+                  <a:solidFill>
+                    <a:sysClr val="windowText" lastClr="000000"/>
+                  </a:solidFill>
+                </a:rPr>
+                <a:t>User has account?</a:t>
+              </a:r>
+            </a:p>
+          </p:txBody>
+        </p:sp>
+        <p:sp>
+          <p:nvSpPr>
+            <p:cNvPr id="5" name="Oval 4">
+              <a:extLst>
+                <a:ext uri="{FF2B5EF4-FFF2-40B4-BE49-F238E27FC236}">
+                  <a16:creationId xmlns:a16="http://schemas.microsoft.com/office/drawing/2014/main" id="{60BFAA97-AF3F-691B-7BA5-926D2361C884}"/>
+                </a:ext>
+              </a:extLst>
+            </p:cNvPr>
+            <p:cNvSpPr/>
+            <p:nvPr/>
+          </p:nvSpPr>
+          <p:spPr>
+            <a:xfrm>
+              <a:off x="2640561" y="-1322989"/>
+              <a:ext cx="1800000" cy="720000"/>
+            </a:xfrm>
+            <a:prstGeom prst="ellipse">
+              <a:avLst/>
+            </a:prstGeom>
+            <a:noFill/>
+            <a:ln>
+              <a:solidFill>
+                <a:schemeClr val="tx1"/>
+              </a:solidFill>
+            </a:ln>
+          </p:spPr>
+          <p:style>
+            <a:lnRef idx="2">
+              <a:schemeClr val="accent1">
+                <a:shade val="50000"/>
+              </a:schemeClr>
+            </a:lnRef>
+            <a:fillRef idx="1">
+              <a:schemeClr val="accent1"/>
+            </a:fillRef>
+            <a:effectRef idx="0">
+              <a:schemeClr val="accent1"/>
+            </a:effectRef>
+            <a:fontRef idx="minor">
+              <a:schemeClr val="lt1"/>
+            </a:fontRef>
+          </p:style>
+          <p:txBody>
+            <a:bodyPr rtlCol="0" anchor="ctr"/>
+            <a:lstStyle/>
+            <a:p>
+              <a:pPr algn="ctr"/>
+              <a:r>
+                <a:rPr lang="en-GB" sz="1100">
+                  <a:solidFill>
+                    <a:sysClr val="windowText" lastClr="000000"/>
+                  </a:solidFill>
+                </a:rPr>
+                <a:t>Start</a:t>
+              </a:r>
+            </a:p>
+          </p:txBody>
+        </p:sp>
+        <p:sp>
+          <p:nvSpPr>
+            <p:cNvPr id="6" name="Rectangle 5">
+              <a:extLst>
+                <a:ext uri="{FF2B5EF4-FFF2-40B4-BE49-F238E27FC236}">
+                  <a16:creationId xmlns:a16="http://schemas.microsoft.com/office/drawing/2014/main" id="{A3E92628-43D9-B854-484E-3B88D7B62162}"/>
+                </a:ext>
+              </a:extLst>
+            </p:cNvPr>
+            <p:cNvSpPr/>
+            <p:nvPr/>
+          </p:nvSpPr>
+          <p:spPr>
+            <a:xfrm>
+              <a:off x="5066522" y="838977"/>
+              <a:ext cx="1800000" cy="720000"/>
+            </a:xfrm>
+            <a:prstGeom prst="rect">
+              <a:avLst/>
+            </a:prstGeom>
+            <a:noFill/>
+            <a:ln>
+              <a:solidFill>
+                <a:schemeClr val="tx1"/>
+              </a:solidFill>
+            </a:ln>
+          </p:spPr>
+          <p:style>
+            <a:lnRef idx="2">
+              <a:schemeClr val="accent1">
+                <a:shade val="50000"/>
+              </a:schemeClr>
+            </a:lnRef>
+            <a:fillRef idx="1">
+              <a:schemeClr val="accent1"/>
+            </a:fillRef>
+            <a:effectRef idx="0">
+              <a:schemeClr val="accent1"/>
+            </a:effectRef>
+            <a:fontRef idx="minor">
+              <a:schemeClr val="lt1"/>
+            </a:fontRef>
+          </p:style>
+          <p:txBody>
+            <a:bodyPr rtlCol="0" anchor="ctr"/>
+            <a:lstStyle/>
+            <a:p>
+              <a:pPr algn="ctr"/>
+              <a:r>
+                <a:rPr lang="en-GB" sz="1100" dirty="0">
+                  <a:solidFill>
+                    <a:sysClr val="windowText" lastClr="000000"/>
+                  </a:solidFill>
+                </a:rPr>
+                <a:t>Create account</a:t>
+              </a:r>
+            </a:p>
+          </p:txBody>
+        </p:sp>
+        <p:sp>
+          <p:nvSpPr>
+            <p:cNvPr id="7" name="Rectangle 6">
+              <a:extLst>
+                <a:ext uri="{FF2B5EF4-FFF2-40B4-BE49-F238E27FC236}">
+                  <a16:creationId xmlns:a16="http://schemas.microsoft.com/office/drawing/2014/main" id="{3FE7C025-C1C0-772E-7CE4-F6E092DCB281}"/>
+                </a:ext>
+              </a:extLst>
+            </p:cNvPr>
+            <p:cNvSpPr/>
+            <p:nvPr/>
+          </p:nvSpPr>
+          <p:spPr>
+            <a:xfrm>
+              <a:off x="2640561" y="2046521"/>
+              <a:ext cx="1800000" cy="720000"/>
+            </a:xfrm>
+            <a:prstGeom prst="rect">
+              <a:avLst/>
+            </a:prstGeom>
+            <a:noFill/>
+            <a:ln>
+              <a:solidFill>
+                <a:schemeClr val="tx1"/>
+              </a:solidFill>
+            </a:ln>
+          </p:spPr>
+          <p:style>
+            <a:lnRef idx="2">
+              <a:schemeClr val="accent1">
+                <a:shade val="50000"/>
+              </a:schemeClr>
+            </a:lnRef>
+            <a:fillRef idx="1">
+              <a:schemeClr val="accent1"/>
+            </a:fillRef>
+            <a:effectRef idx="0">
+              <a:schemeClr val="accent1"/>
+            </a:effectRef>
+            <a:fontRef idx="minor">
+              <a:schemeClr val="lt1"/>
+            </a:fontRef>
+          </p:style>
+          <p:txBody>
+            <a:bodyPr rtlCol="0" anchor="ctr"/>
+            <a:lstStyle/>
+            <a:p>
+              <a:pPr algn="ctr"/>
+              <a:r>
+                <a:rPr lang="en-GB" sz="1100" dirty="0">
+                  <a:solidFill>
+                    <a:sysClr val="windowText" lastClr="000000"/>
+                  </a:solidFill>
+                </a:rPr>
+                <a:t>Sign-in</a:t>
+              </a:r>
+            </a:p>
+          </p:txBody>
+        </p:sp>
+        <p:sp>
+          <p:nvSpPr>
+            <p:cNvPr id="8" name="Diamond 7">
+              <a:extLst>
+                <a:ext uri="{FF2B5EF4-FFF2-40B4-BE49-F238E27FC236}">
+                  <a16:creationId xmlns:a16="http://schemas.microsoft.com/office/drawing/2014/main" id="{B655B505-563E-0B67-9B73-6E4CB5C7F226}"/>
+                </a:ext>
+              </a:extLst>
+            </p:cNvPr>
+            <p:cNvSpPr/>
+            <p:nvPr/>
+          </p:nvSpPr>
+          <p:spPr>
+            <a:xfrm>
+              <a:off x="2640561" y="3268061"/>
+              <a:ext cx="1800000" cy="720000"/>
+            </a:xfrm>
+            <a:prstGeom prst="diamond">
+              <a:avLst/>
+            </a:prstGeom>
+            <a:noFill/>
+            <a:ln>
+              <a:solidFill>
+                <a:schemeClr val="tx1"/>
+              </a:solidFill>
+            </a:ln>
+          </p:spPr>
+          <p:style>
+            <a:lnRef idx="2">
+              <a:schemeClr val="accent1">
+                <a:shade val="50000"/>
+              </a:schemeClr>
+            </a:lnRef>
+            <a:fillRef idx="1">
+              <a:schemeClr val="accent1"/>
+            </a:fillRef>
+            <a:effectRef idx="0">
+              <a:schemeClr val="accent1"/>
+            </a:effectRef>
+            <a:fontRef idx="minor">
+              <a:schemeClr val="lt1"/>
+            </a:fontRef>
+          </p:style>
+          <p:txBody>
+            <a:bodyPr rtlCol="0" anchor="ctr"/>
+            <a:lstStyle/>
+            <a:p>
+              <a:pPr algn="ctr"/>
+              <a:r>
+                <a:rPr lang="en-GB" sz="1100" dirty="0">
+                  <a:solidFill>
+                    <a:sysClr val="windowText" lastClr="000000"/>
+                  </a:solidFill>
+                </a:rPr>
+                <a:t>Correct?</a:t>
+              </a:r>
+            </a:p>
+          </p:txBody>
+        </p:sp>
+        <p:sp>
+          <p:nvSpPr>
+            <p:cNvPr id="9" name="Diamond 8">
+              <a:extLst>
+                <a:ext uri="{FF2B5EF4-FFF2-40B4-BE49-F238E27FC236}">
+                  <a16:creationId xmlns:a16="http://schemas.microsoft.com/office/drawing/2014/main" id="{3884F7FC-A281-509D-C2AC-8495D69A18AF}"/>
+                </a:ext>
+              </a:extLst>
+            </p:cNvPr>
+            <p:cNvSpPr/>
+            <p:nvPr/>
+          </p:nvSpPr>
+          <p:spPr>
+            <a:xfrm>
+              <a:off x="5066522" y="2046521"/>
+              <a:ext cx="1800000" cy="720000"/>
+            </a:xfrm>
+            <a:prstGeom prst="diamond">
+              <a:avLst/>
+            </a:prstGeom>
+            <a:noFill/>
+            <a:ln>
+              <a:solidFill>
+                <a:schemeClr val="tx1"/>
+              </a:solidFill>
+            </a:ln>
+          </p:spPr>
+          <p:style>
+            <a:lnRef idx="2">
+              <a:schemeClr val="accent1">
+                <a:shade val="50000"/>
+              </a:schemeClr>
+            </a:lnRef>
+            <a:fillRef idx="1">
+              <a:schemeClr val="accent1"/>
+            </a:fillRef>
+            <a:effectRef idx="0">
+              <a:schemeClr val="accent1"/>
+            </a:effectRef>
+            <a:fontRef idx="minor">
+              <a:schemeClr val="lt1"/>
+            </a:fontRef>
+          </p:style>
+          <p:txBody>
+            <a:bodyPr rtlCol="0" anchor="ctr"/>
+            <a:lstStyle/>
+            <a:p>
+              <a:pPr algn="ctr"/>
+              <a:r>
+                <a:rPr lang="en-GB" sz="1100" dirty="0">
+                  <a:solidFill>
+                    <a:sysClr val="windowText" lastClr="000000"/>
+                  </a:solidFill>
+                </a:rPr>
+                <a:t>Correct?</a:t>
+              </a:r>
+            </a:p>
+          </p:txBody>
+        </p:sp>
+        <p:sp>
+          <p:nvSpPr>
+            <p:cNvPr id="10" name="Rectangle 9">
+              <a:extLst>
+                <a:ext uri="{FF2B5EF4-FFF2-40B4-BE49-F238E27FC236}">
+                  <a16:creationId xmlns:a16="http://schemas.microsoft.com/office/drawing/2014/main" id="{3C833E04-72D5-4336-8123-FF9608DEEC04}"/>
+                </a:ext>
+              </a:extLst>
+            </p:cNvPr>
+            <p:cNvSpPr/>
+            <p:nvPr/>
+          </p:nvSpPr>
+          <p:spPr>
+            <a:xfrm>
+              <a:off x="2640561" y="4489601"/>
+              <a:ext cx="1800000" cy="720000"/>
+            </a:xfrm>
+            <a:prstGeom prst="rect">
+              <a:avLst/>
+            </a:prstGeom>
+            <a:noFill/>
+            <a:ln>
+              <a:solidFill>
+                <a:schemeClr val="tx1"/>
+              </a:solidFill>
+            </a:ln>
+          </p:spPr>
+          <p:style>
+            <a:lnRef idx="2">
+              <a:schemeClr val="accent1">
+                <a:shade val="50000"/>
+              </a:schemeClr>
+            </a:lnRef>
+            <a:fillRef idx="1">
+              <a:schemeClr val="accent1"/>
+            </a:fillRef>
+            <a:effectRef idx="0">
+              <a:schemeClr val="accent1"/>
+            </a:effectRef>
+            <a:fontRef idx="minor">
+              <a:schemeClr val="lt1"/>
+            </a:fontRef>
+          </p:style>
+          <p:txBody>
+            <a:bodyPr rtlCol="0" anchor="ctr"/>
+            <a:lstStyle/>
+            <a:p>
+              <a:pPr algn="ctr"/>
+              <a:r>
+                <a:rPr lang="en-GB" sz="1100" dirty="0">
+                  <a:solidFill>
+                    <a:sysClr val="windowText" lastClr="000000"/>
+                  </a:solidFill>
+                </a:rPr>
+                <a:t>Give Locality/Area name</a:t>
+              </a:r>
+            </a:p>
+          </p:txBody>
+        </p:sp>
+        <p:sp>
+          <p:nvSpPr>
+            <p:cNvPr id="11" name="Rectangle 10">
+              <a:extLst>
+                <a:ext uri="{FF2B5EF4-FFF2-40B4-BE49-F238E27FC236}">
+                  <a16:creationId xmlns:a16="http://schemas.microsoft.com/office/drawing/2014/main" id="{6CB28D3E-54A9-3BAB-AA9B-22616C4FEE03}"/>
+                </a:ext>
+              </a:extLst>
+            </p:cNvPr>
+            <p:cNvSpPr/>
+            <p:nvPr/>
+          </p:nvSpPr>
+          <p:spPr>
+            <a:xfrm>
+              <a:off x="2640561" y="6732059"/>
+              <a:ext cx="1800000" cy="720000"/>
+            </a:xfrm>
+            <a:prstGeom prst="rect">
+              <a:avLst/>
+            </a:prstGeom>
+            <a:noFill/>
+            <a:ln>
+              <a:solidFill>
+                <a:schemeClr val="tx1"/>
+              </a:solidFill>
+            </a:ln>
+          </p:spPr>
+          <p:style>
+            <a:lnRef idx="2">
+              <a:schemeClr val="accent1">
+                <a:shade val="50000"/>
+              </a:schemeClr>
+            </a:lnRef>
+            <a:fillRef idx="1">
+              <a:schemeClr val="accent1"/>
+            </a:fillRef>
+            <a:effectRef idx="0">
+              <a:schemeClr val="accent1"/>
+            </a:effectRef>
+            <a:fontRef idx="minor">
+              <a:schemeClr val="lt1"/>
+            </a:fontRef>
+          </p:style>
+          <p:txBody>
+            <a:bodyPr rtlCol="0" anchor="ctr"/>
+            <a:lstStyle/>
+            <a:p>
+              <a:pPr algn="ctr"/>
+              <a:r>
+                <a:rPr lang="en-GB" sz="1100" dirty="0">
+                  <a:solidFill>
+                    <a:sysClr val="windowText" lastClr="000000"/>
+                  </a:solidFill>
+                </a:rPr>
+                <a:t>Get COVID-19 risk results</a:t>
+              </a:r>
+            </a:p>
+          </p:txBody>
+        </p:sp>
+        <p:sp>
+          <p:nvSpPr>
+            <p:cNvPr id="12" name="Diamond 11">
+              <a:extLst>
+                <a:ext uri="{FF2B5EF4-FFF2-40B4-BE49-F238E27FC236}">
+                  <a16:creationId xmlns:a16="http://schemas.microsoft.com/office/drawing/2014/main" id="{AF1A68B2-2100-A746-BE65-61D0EC278354}"/>
+                </a:ext>
+              </a:extLst>
+            </p:cNvPr>
+            <p:cNvSpPr/>
+            <p:nvPr/>
+          </p:nvSpPr>
+          <p:spPr>
+            <a:xfrm>
+              <a:off x="2640561" y="5659023"/>
+              <a:ext cx="1800000" cy="720000"/>
+            </a:xfrm>
+            <a:prstGeom prst="diamond">
+              <a:avLst/>
+            </a:prstGeom>
+            <a:noFill/>
+            <a:ln>
+              <a:solidFill>
+                <a:schemeClr val="tx1"/>
+              </a:solidFill>
+            </a:ln>
+          </p:spPr>
+          <p:style>
+            <a:lnRef idx="2">
+              <a:schemeClr val="accent1">
+                <a:shade val="50000"/>
+              </a:schemeClr>
+            </a:lnRef>
+            <a:fillRef idx="1">
+              <a:schemeClr val="accent1"/>
+            </a:fillRef>
+            <a:effectRef idx="0">
+              <a:schemeClr val="accent1"/>
+            </a:effectRef>
+            <a:fontRef idx="minor">
+              <a:schemeClr val="lt1"/>
+            </a:fontRef>
+          </p:style>
+          <p:txBody>
+            <a:bodyPr rtlCol="0" anchor="ctr"/>
+            <a:lstStyle/>
+            <a:p>
+              <a:pPr algn="ctr"/>
+              <a:r>
+                <a:rPr lang="en-GB" sz="1100" dirty="0">
+                  <a:solidFill>
+                    <a:sysClr val="windowText" lastClr="000000"/>
+                  </a:solidFill>
+                </a:rPr>
+                <a:t>Correct?</a:t>
+              </a:r>
+            </a:p>
+          </p:txBody>
+        </p:sp>
+        <p:sp>
+          <p:nvSpPr>
+            <p:cNvPr id="14" name="Diamond 13">
+              <a:extLst>
+                <a:ext uri="{FF2B5EF4-FFF2-40B4-BE49-F238E27FC236}">
+                  <a16:creationId xmlns:a16="http://schemas.microsoft.com/office/drawing/2014/main" id="{ACFC606B-6D85-7513-2327-4877960E8793}"/>
+                </a:ext>
+              </a:extLst>
+            </p:cNvPr>
+            <p:cNvSpPr/>
+            <p:nvPr/>
+          </p:nvSpPr>
+          <p:spPr>
+            <a:xfrm>
+              <a:off x="2640561" y="10317348"/>
+              <a:ext cx="1800000" cy="720000"/>
+            </a:xfrm>
+            <a:prstGeom prst="diamond">
+              <a:avLst/>
+            </a:prstGeom>
+            <a:noFill/>
+            <a:ln>
+              <a:solidFill>
+                <a:schemeClr val="tx1"/>
+              </a:solidFill>
+            </a:ln>
+          </p:spPr>
+          <p:style>
+            <a:lnRef idx="2">
+              <a:schemeClr val="accent1">
+                <a:shade val="50000"/>
+              </a:schemeClr>
+            </a:lnRef>
+            <a:fillRef idx="1">
+              <a:schemeClr val="accent1"/>
+            </a:fillRef>
+            <a:effectRef idx="0">
+              <a:schemeClr val="accent1"/>
+            </a:effectRef>
+            <a:fontRef idx="minor">
+              <a:schemeClr val="lt1"/>
+            </a:fontRef>
+          </p:style>
+          <p:txBody>
+            <a:bodyPr rtlCol="0" anchor="ctr"/>
+            <a:lstStyle/>
+            <a:p>
+              <a:pPr algn="ctr"/>
+              <a:r>
+                <a:rPr lang="en-GB" sz="1100" dirty="0">
+                  <a:solidFill>
+                    <a:sysClr val="windowText" lastClr="000000"/>
+                  </a:solidFill>
+                </a:rPr>
+                <a:t>Save search?</a:t>
+              </a:r>
+            </a:p>
+          </p:txBody>
+        </p:sp>
+        <p:sp>
+          <p:nvSpPr>
+            <p:cNvPr id="16" name="Rectangle 15">
+              <a:extLst>
+                <a:ext uri="{FF2B5EF4-FFF2-40B4-BE49-F238E27FC236}">
+                  <a16:creationId xmlns:a16="http://schemas.microsoft.com/office/drawing/2014/main" id="{AB1E0602-C563-BF1B-4276-2FF5EC18E3CD}"/>
+                </a:ext>
+              </a:extLst>
+            </p:cNvPr>
+            <p:cNvSpPr/>
+            <p:nvPr/>
+          </p:nvSpPr>
+          <p:spPr>
+            <a:xfrm>
+              <a:off x="2640561" y="-205674"/>
+              <a:ext cx="1800000" cy="720000"/>
+            </a:xfrm>
+            <a:prstGeom prst="rect">
+              <a:avLst/>
+            </a:prstGeom>
+            <a:noFill/>
+            <a:ln>
+              <a:solidFill>
+                <a:schemeClr val="tx1"/>
+              </a:solidFill>
+            </a:ln>
+          </p:spPr>
+          <p:style>
+            <a:lnRef idx="2">
+              <a:schemeClr val="accent1">
+                <a:shade val="50000"/>
+              </a:schemeClr>
+            </a:lnRef>
+            <a:fillRef idx="1">
+              <a:schemeClr val="accent1"/>
+            </a:fillRef>
+            <a:effectRef idx="0">
+              <a:schemeClr val="accent1"/>
+            </a:effectRef>
+            <a:fontRef idx="minor">
+              <a:schemeClr val="lt1"/>
+            </a:fontRef>
+          </p:style>
+          <p:txBody>
+            <a:bodyPr rtlCol="0" anchor="ctr"/>
+            <a:lstStyle/>
+            <a:p>
+              <a:pPr algn="ctr"/>
+              <a:r>
+                <a:rPr lang="en-GB" sz="1100" dirty="0">
+                  <a:solidFill>
+                    <a:sysClr val="windowText" lastClr="000000"/>
+                  </a:solidFill>
+                </a:rPr>
+                <a:t>Give MySQL password</a:t>
+              </a:r>
+            </a:p>
+          </p:txBody>
+        </p:sp>
+        <p:sp>
+          <p:nvSpPr>
+            <p:cNvPr id="17" name="Diamond 16">
+              <a:extLst>
+                <a:ext uri="{FF2B5EF4-FFF2-40B4-BE49-F238E27FC236}">
+                  <a16:creationId xmlns:a16="http://schemas.microsoft.com/office/drawing/2014/main" id="{88F71B92-13A3-5F59-2618-38920607DFEC}"/>
+                </a:ext>
+              </a:extLst>
+            </p:cNvPr>
+            <p:cNvSpPr/>
+            <p:nvPr/>
+          </p:nvSpPr>
+          <p:spPr>
+            <a:xfrm>
+              <a:off x="2640561" y="7902059"/>
+              <a:ext cx="1800000" cy="720000"/>
+            </a:xfrm>
+            <a:prstGeom prst="diamond">
+              <a:avLst/>
+            </a:prstGeom>
+            <a:noFill/>
+            <a:ln>
+              <a:solidFill>
+                <a:schemeClr val="tx1"/>
+              </a:solidFill>
+            </a:ln>
+          </p:spPr>
+          <p:style>
+            <a:lnRef idx="2">
+              <a:schemeClr val="accent1">
+                <a:shade val="50000"/>
+              </a:schemeClr>
+            </a:lnRef>
+            <a:fillRef idx="1">
+              <a:schemeClr val="accent1"/>
+            </a:fillRef>
+            <a:effectRef idx="0">
+              <a:schemeClr val="accent1"/>
+            </a:effectRef>
+            <a:fontRef idx="minor">
+              <a:schemeClr val="lt1"/>
+            </a:fontRef>
+          </p:style>
+          <p:txBody>
+            <a:bodyPr rtlCol="0" anchor="ctr"/>
+            <a:lstStyle/>
+            <a:p>
+              <a:pPr algn="ctr"/>
+              <a:r>
+                <a:rPr lang="en-GB" sz="1100" dirty="0">
+                  <a:solidFill>
+                    <a:sysClr val="windowText" lastClr="000000"/>
+                  </a:solidFill>
+                </a:rPr>
+                <a:t>COVID-19 advice?</a:t>
+              </a:r>
+            </a:p>
+          </p:txBody>
+        </p:sp>
+        <p:sp>
+          <p:nvSpPr>
+            <p:cNvPr id="18" name="Rectangle 17">
+              <a:extLst>
+                <a:ext uri="{FF2B5EF4-FFF2-40B4-BE49-F238E27FC236}">
+                  <a16:creationId xmlns:a16="http://schemas.microsoft.com/office/drawing/2014/main" id="{F29EDBD9-524E-6E35-06EA-E72B789B4A91}"/>
+                </a:ext>
+              </a:extLst>
+            </p:cNvPr>
+            <p:cNvSpPr/>
+            <p:nvPr/>
+          </p:nvSpPr>
+          <p:spPr>
+            <a:xfrm>
+              <a:off x="2644820" y="9110195"/>
+              <a:ext cx="1800000" cy="720000"/>
+            </a:xfrm>
+            <a:prstGeom prst="rect">
+              <a:avLst/>
+            </a:prstGeom>
+            <a:noFill/>
+            <a:ln>
+              <a:solidFill>
+                <a:schemeClr val="tx1"/>
+              </a:solidFill>
+            </a:ln>
+          </p:spPr>
+          <p:style>
+            <a:lnRef idx="2">
+              <a:schemeClr val="accent1">
+                <a:shade val="50000"/>
+              </a:schemeClr>
+            </a:lnRef>
+            <a:fillRef idx="1">
+              <a:schemeClr val="accent1"/>
+            </a:fillRef>
+            <a:effectRef idx="0">
+              <a:schemeClr val="accent1"/>
+            </a:effectRef>
+            <a:fontRef idx="minor">
+              <a:schemeClr val="lt1"/>
+            </a:fontRef>
+          </p:style>
+          <p:txBody>
+            <a:bodyPr rtlCol="0" anchor="ctr"/>
+            <a:lstStyle/>
+            <a:p>
+              <a:pPr algn="ctr"/>
+              <a:r>
+                <a:rPr lang="en-GB" sz="1100" dirty="0">
+                  <a:solidFill>
+                    <a:sysClr val="windowText" lastClr="000000"/>
+                  </a:solidFill>
+                </a:rPr>
+                <a:t>Get COVID-19 government advice for location</a:t>
+              </a:r>
+            </a:p>
+          </p:txBody>
+        </p:sp>
+        <p:sp>
+          <p:nvSpPr>
+            <p:cNvPr id="19" name="Rectangle 18">
+              <a:extLst>
+                <a:ext uri="{FF2B5EF4-FFF2-40B4-BE49-F238E27FC236}">
+                  <a16:creationId xmlns:a16="http://schemas.microsoft.com/office/drawing/2014/main" id="{815DE59C-A86F-C774-0462-A6AB918A252B}"/>
+                </a:ext>
+              </a:extLst>
+            </p:cNvPr>
+            <p:cNvSpPr/>
+            <p:nvPr/>
+          </p:nvSpPr>
+          <p:spPr>
+            <a:xfrm>
+              <a:off x="2640561" y="11488331"/>
+              <a:ext cx="1800000" cy="720000"/>
+            </a:xfrm>
+            <a:prstGeom prst="rect">
+              <a:avLst/>
+            </a:prstGeom>
+            <a:noFill/>
+            <a:ln>
+              <a:solidFill>
+                <a:schemeClr val="tx1"/>
+              </a:solidFill>
+            </a:ln>
+          </p:spPr>
+          <p:style>
+            <a:lnRef idx="2">
+              <a:schemeClr val="accent1">
+                <a:shade val="50000"/>
+              </a:schemeClr>
+            </a:lnRef>
+            <a:fillRef idx="1">
+              <a:schemeClr val="accent1"/>
+            </a:fillRef>
+            <a:effectRef idx="0">
+              <a:schemeClr val="accent1"/>
+            </a:effectRef>
+            <a:fontRef idx="minor">
+              <a:schemeClr val="lt1"/>
+            </a:fontRef>
+          </p:style>
+          <p:txBody>
+            <a:bodyPr rtlCol="0" anchor="ctr"/>
+            <a:lstStyle/>
+            <a:p>
+              <a:pPr algn="ctr"/>
+              <a:r>
+                <a:rPr lang="en-GB" sz="1100" dirty="0">
+                  <a:solidFill>
+                    <a:sysClr val="windowText" lastClr="000000"/>
+                  </a:solidFill>
+                </a:rPr>
+                <a:t>Stores search info in SQL database</a:t>
+              </a:r>
+            </a:p>
+          </p:txBody>
+        </p:sp>
+        <p:sp>
+          <p:nvSpPr>
+            <p:cNvPr id="20" name="Oval 19">
+              <a:extLst>
+                <a:ext uri="{FF2B5EF4-FFF2-40B4-BE49-F238E27FC236}">
+                  <a16:creationId xmlns:a16="http://schemas.microsoft.com/office/drawing/2014/main" id="{2CC2E05F-68CC-128C-BFCF-D59EB4FC6FC8}"/>
+                </a:ext>
+              </a:extLst>
+            </p:cNvPr>
+            <p:cNvSpPr/>
+            <p:nvPr/>
+          </p:nvSpPr>
+          <p:spPr>
+            <a:xfrm>
+              <a:off x="2640561" y="12659314"/>
+              <a:ext cx="1800000" cy="720000"/>
+            </a:xfrm>
+            <a:prstGeom prst="ellipse">
+              <a:avLst/>
+            </a:prstGeom>
+            <a:noFill/>
+            <a:ln>
+              <a:solidFill>
+                <a:schemeClr val="tx1"/>
+              </a:solidFill>
+            </a:ln>
+          </p:spPr>
+          <p:style>
+            <a:lnRef idx="2">
+              <a:schemeClr val="accent1">
+                <a:shade val="50000"/>
+              </a:schemeClr>
+            </a:lnRef>
+            <a:fillRef idx="1">
+              <a:schemeClr val="accent1"/>
+            </a:fillRef>
+            <a:effectRef idx="0">
+              <a:schemeClr val="accent1"/>
+            </a:effectRef>
+            <a:fontRef idx="minor">
+              <a:schemeClr val="lt1"/>
+            </a:fontRef>
+          </p:style>
+          <p:txBody>
+            <a:bodyPr rtlCol="0" anchor="ctr"/>
+            <a:lstStyle/>
+            <a:p>
+              <a:pPr algn="ctr"/>
+              <a:r>
+                <a:rPr lang="en-GB" sz="1100" dirty="0">
+                  <a:solidFill>
+                    <a:sysClr val="windowText" lastClr="000000"/>
+                  </a:solidFill>
+                </a:rPr>
+                <a:t>Stop</a:t>
+              </a:r>
+            </a:p>
+          </p:txBody>
+        </p:sp>
+        <p:cxnSp>
+          <p:nvCxnSpPr>
+            <p:cNvPr id="22" name="Straight Arrow Connector 21">
+              <a:extLst>
+                <a:ext uri="{FF2B5EF4-FFF2-40B4-BE49-F238E27FC236}">
+                  <a16:creationId xmlns:a16="http://schemas.microsoft.com/office/drawing/2014/main" id="{B706BDC9-97F9-88A8-6309-1F9A2F33026E}"/>
+                </a:ext>
+              </a:extLst>
+            </p:cNvPr>
+            <p:cNvCxnSpPr>
+              <a:endCxn id="16" idx="0"/>
+            </p:cNvCxnSpPr>
+            <p:nvPr/>
+          </p:nvCxnSpPr>
+          <p:spPr>
+            <a:xfrm>
+              <a:off x="3540561" y="-602989"/>
+              <a:ext cx="0" cy="397315"/>
+            </a:xfrm>
+            <a:prstGeom prst="straightConnector1">
+              <a:avLst/>
+            </a:prstGeom>
+            <a:ln>
+              <a:solidFill>
+                <a:schemeClr val="tx1"/>
+              </a:solidFill>
+              <a:tailEnd type="triangle"/>
+            </a:ln>
+          </p:spPr>
+          <p:style>
+            <a:lnRef idx="1">
+              <a:schemeClr val="accent1"/>
+            </a:lnRef>
+            <a:fillRef idx="0">
+              <a:schemeClr val="accent1"/>
+            </a:fillRef>
+            <a:effectRef idx="0">
+              <a:schemeClr val="accent1"/>
+            </a:effectRef>
+            <a:fontRef idx="minor">
+              <a:schemeClr val="tx1"/>
+            </a:fontRef>
+          </p:style>
+        </p:cxnSp>
+        <p:cxnSp>
+          <p:nvCxnSpPr>
+            <p:cNvPr id="23" name="Straight Arrow Connector 22">
+              <a:extLst>
+                <a:ext uri="{FF2B5EF4-FFF2-40B4-BE49-F238E27FC236}">
+                  <a16:creationId xmlns:a16="http://schemas.microsoft.com/office/drawing/2014/main" id="{F50B0870-8FDA-EB09-49FC-ECD4DE50D3C8}"/>
+                </a:ext>
+              </a:extLst>
+            </p:cNvPr>
+            <p:cNvCxnSpPr>
+              <a:cxnSpLocks/>
+              <a:stCxn id="16" idx="2"/>
+            </p:cNvCxnSpPr>
+            <p:nvPr/>
+          </p:nvCxnSpPr>
+          <p:spPr>
+            <a:xfrm>
+              <a:off x="3540561" y="514326"/>
+              <a:ext cx="0" cy="324651"/>
+            </a:xfrm>
+            <a:prstGeom prst="straightConnector1">
+              <a:avLst/>
+            </a:prstGeom>
+            <a:ln>
+              <a:solidFill>
+                <a:schemeClr val="tx1"/>
+              </a:solidFill>
+              <a:tailEnd type="triangle"/>
+            </a:ln>
+          </p:spPr>
+          <p:style>
+            <a:lnRef idx="1">
+              <a:schemeClr val="accent1"/>
+            </a:lnRef>
+            <a:fillRef idx="0">
+              <a:schemeClr val="accent1"/>
+            </a:fillRef>
+            <a:effectRef idx="0">
+              <a:schemeClr val="accent1"/>
+            </a:effectRef>
+            <a:fontRef idx="minor">
+              <a:schemeClr val="tx1"/>
+            </a:fontRef>
+          </p:style>
+        </p:cxnSp>
+        <p:cxnSp>
+          <p:nvCxnSpPr>
+            <p:cNvPr id="25" name="Straight Arrow Connector 24">
+              <a:extLst>
+                <a:ext uri="{FF2B5EF4-FFF2-40B4-BE49-F238E27FC236}">
+                  <a16:creationId xmlns:a16="http://schemas.microsoft.com/office/drawing/2014/main" id="{16304A2A-9ADF-7F72-6164-266A6EF4E6E5}"/>
+                </a:ext>
+              </a:extLst>
+            </p:cNvPr>
+            <p:cNvCxnSpPr>
+              <a:cxnSpLocks/>
+              <a:endCxn id="7" idx="0"/>
+            </p:cNvCxnSpPr>
+            <p:nvPr/>
+          </p:nvCxnSpPr>
+          <p:spPr>
+            <a:xfrm>
+              <a:off x="3540561" y="1558977"/>
+              <a:ext cx="0" cy="487544"/>
+            </a:xfrm>
+            <a:prstGeom prst="straightConnector1">
+              <a:avLst/>
+            </a:prstGeom>
+            <a:ln>
+              <a:solidFill>
+                <a:schemeClr val="tx1"/>
+              </a:solidFill>
+              <a:tailEnd type="triangle"/>
+            </a:ln>
+          </p:spPr>
+          <p:style>
+            <a:lnRef idx="1">
+              <a:schemeClr val="accent1"/>
+            </a:lnRef>
+            <a:fillRef idx="0">
+              <a:schemeClr val="accent1"/>
+            </a:fillRef>
+            <a:effectRef idx="0">
+              <a:schemeClr val="accent1"/>
+            </a:effectRef>
+            <a:fontRef idx="minor">
+              <a:schemeClr val="tx1"/>
+            </a:fontRef>
+          </p:style>
+        </p:cxnSp>
+        <p:cxnSp>
+          <p:nvCxnSpPr>
+            <p:cNvPr id="27" name="Straight Arrow Connector 26">
+              <a:extLst>
+                <a:ext uri="{FF2B5EF4-FFF2-40B4-BE49-F238E27FC236}">
+                  <a16:creationId xmlns:a16="http://schemas.microsoft.com/office/drawing/2014/main" id="{FEFD284F-899A-EFFE-58A1-BE0AF2E5CDF0}"/>
+                </a:ext>
+              </a:extLst>
+            </p:cNvPr>
+            <p:cNvCxnSpPr>
+              <a:cxnSpLocks/>
+              <a:endCxn id="6" idx="1"/>
+            </p:cNvCxnSpPr>
+            <p:nvPr/>
+          </p:nvCxnSpPr>
+          <p:spPr>
+            <a:xfrm>
+              <a:off x="4440561" y="1198977"/>
+              <a:ext cx="625961" cy="0"/>
+            </a:xfrm>
+            <a:prstGeom prst="straightConnector1">
+              <a:avLst/>
+            </a:prstGeom>
+            <a:ln>
+              <a:solidFill>
+                <a:schemeClr val="tx1"/>
+              </a:solidFill>
+              <a:tailEnd type="triangle"/>
+            </a:ln>
+          </p:spPr>
+          <p:style>
+            <a:lnRef idx="1">
+              <a:schemeClr val="accent1"/>
+            </a:lnRef>
+            <a:fillRef idx="0">
+              <a:schemeClr val="accent1"/>
+            </a:fillRef>
+            <a:effectRef idx="0">
+              <a:schemeClr val="accent1"/>
+            </a:effectRef>
+            <a:fontRef idx="minor">
+              <a:schemeClr val="tx1"/>
+            </a:fontRef>
+          </p:style>
+        </p:cxnSp>
+        <p:cxnSp>
+          <p:nvCxnSpPr>
+            <p:cNvPr id="29" name="Straight Arrow Connector 28">
+              <a:extLst>
+                <a:ext uri="{FF2B5EF4-FFF2-40B4-BE49-F238E27FC236}">
+                  <a16:creationId xmlns:a16="http://schemas.microsoft.com/office/drawing/2014/main" id="{9073CC5A-3DA5-5D14-7F93-8F82267824F1}"/>
+                </a:ext>
+              </a:extLst>
+            </p:cNvPr>
+            <p:cNvCxnSpPr>
+              <a:cxnSpLocks/>
+              <a:endCxn id="9" idx="0"/>
+            </p:cNvCxnSpPr>
+            <p:nvPr/>
+          </p:nvCxnSpPr>
+          <p:spPr>
+            <a:xfrm>
+              <a:off x="5966522" y="1558977"/>
+              <a:ext cx="0" cy="487544"/>
+            </a:xfrm>
+            <a:prstGeom prst="straightConnector1">
+              <a:avLst/>
+            </a:prstGeom>
+            <a:ln>
+              <a:solidFill>
+                <a:schemeClr val="tx1"/>
+              </a:solidFill>
+              <a:tailEnd type="triangle"/>
+            </a:ln>
+          </p:spPr>
+          <p:style>
+            <a:lnRef idx="1">
+              <a:schemeClr val="accent1"/>
+            </a:lnRef>
+            <a:fillRef idx="0">
+              <a:schemeClr val="accent1"/>
+            </a:fillRef>
+            <a:effectRef idx="0">
+              <a:schemeClr val="accent1"/>
+            </a:effectRef>
+            <a:fontRef idx="minor">
+              <a:schemeClr val="tx1"/>
+            </a:fontRef>
+          </p:style>
+        </p:cxnSp>
+        <p:cxnSp>
+          <p:nvCxnSpPr>
+            <p:cNvPr id="31" name="Straight Arrow Connector 30">
+              <a:extLst>
+                <a:ext uri="{FF2B5EF4-FFF2-40B4-BE49-F238E27FC236}">
+                  <a16:creationId xmlns:a16="http://schemas.microsoft.com/office/drawing/2014/main" id="{85464712-9E66-C70D-203F-30E3DF569636}"/>
+                </a:ext>
+              </a:extLst>
+            </p:cNvPr>
+            <p:cNvCxnSpPr>
+              <a:cxnSpLocks/>
+            </p:cNvCxnSpPr>
+            <p:nvPr/>
+          </p:nvCxnSpPr>
+          <p:spPr>
+            <a:xfrm>
+              <a:off x="3540561" y="2780517"/>
+              <a:ext cx="0" cy="487544"/>
+            </a:xfrm>
+            <a:prstGeom prst="straightConnector1">
+              <a:avLst/>
+            </a:prstGeom>
+            <a:ln>
+              <a:solidFill>
+                <a:schemeClr val="tx1"/>
+              </a:solidFill>
+              <a:tailEnd type="triangle"/>
+            </a:ln>
+          </p:spPr>
+          <p:style>
+            <a:lnRef idx="1">
+              <a:schemeClr val="accent1"/>
+            </a:lnRef>
+            <a:fillRef idx="0">
+              <a:schemeClr val="accent1"/>
+            </a:fillRef>
+            <a:effectRef idx="0">
+              <a:schemeClr val="accent1"/>
+            </a:effectRef>
+            <a:fontRef idx="minor">
+              <a:schemeClr val="tx1"/>
+            </a:fontRef>
+          </p:style>
+        </p:cxnSp>
+        <p:cxnSp>
+          <p:nvCxnSpPr>
+            <p:cNvPr id="32" name="Straight Arrow Connector 31">
+              <a:extLst>
+                <a:ext uri="{FF2B5EF4-FFF2-40B4-BE49-F238E27FC236}">
+                  <a16:creationId xmlns:a16="http://schemas.microsoft.com/office/drawing/2014/main" id="{31C2F827-0C0E-4F64-B089-1883F8923A5B}"/>
+                </a:ext>
+              </a:extLst>
+            </p:cNvPr>
+            <p:cNvCxnSpPr>
+              <a:cxnSpLocks/>
+            </p:cNvCxnSpPr>
+            <p:nvPr/>
+          </p:nvCxnSpPr>
+          <p:spPr>
+            <a:xfrm>
+              <a:off x="3557261" y="3988061"/>
+              <a:ext cx="0" cy="487544"/>
+            </a:xfrm>
+            <a:prstGeom prst="straightConnector1">
+              <a:avLst/>
+            </a:prstGeom>
+            <a:ln>
+              <a:solidFill>
+                <a:schemeClr val="tx1"/>
+              </a:solidFill>
+              <a:tailEnd type="triangle"/>
+            </a:ln>
+          </p:spPr>
+          <p:style>
+            <a:lnRef idx="1">
+              <a:schemeClr val="accent1"/>
+            </a:lnRef>
+            <a:fillRef idx="0">
+              <a:schemeClr val="accent1"/>
+            </a:fillRef>
+            <a:effectRef idx="0">
+              <a:schemeClr val="accent1"/>
+            </a:effectRef>
+            <a:fontRef idx="minor">
+              <a:schemeClr val="tx1"/>
+            </a:fontRef>
+          </p:style>
+        </p:cxnSp>
+        <p:cxnSp>
+          <p:nvCxnSpPr>
+            <p:cNvPr id="33" name="Straight Arrow Connector 32">
+              <a:extLst>
+                <a:ext uri="{FF2B5EF4-FFF2-40B4-BE49-F238E27FC236}">
+                  <a16:creationId xmlns:a16="http://schemas.microsoft.com/office/drawing/2014/main" id="{B8D60395-822F-BE1B-6A31-F8B0A68FB5AD}"/>
+                </a:ext>
+              </a:extLst>
+            </p:cNvPr>
+            <p:cNvCxnSpPr>
+              <a:cxnSpLocks/>
+              <a:endCxn id="12" idx="0"/>
+            </p:cNvCxnSpPr>
+            <p:nvPr/>
+          </p:nvCxnSpPr>
+          <p:spPr>
+            <a:xfrm>
+              <a:off x="3536638" y="5209601"/>
+              <a:ext cx="3923" cy="449422"/>
+            </a:xfrm>
+            <a:prstGeom prst="straightConnector1">
+              <a:avLst/>
+            </a:prstGeom>
+            <a:ln>
+              <a:solidFill>
+                <a:schemeClr val="tx1"/>
+              </a:solidFill>
+              <a:tailEnd type="triangle"/>
+            </a:ln>
+          </p:spPr>
+          <p:style>
+            <a:lnRef idx="1">
+              <a:schemeClr val="accent1"/>
+            </a:lnRef>
+            <a:fillRef idx="0">
+              <a:schemeClr val="accent1"/>
+            </a:fillRef>
+            <a:effectRef idx="0">
+              <a:schemeClr val="accent1"/>
+            </a:effectRef>
+            <a:fontRef idx="minor">
+              <a:schemeClr val="tx1"/>
+            </a:fontRef>
+          </p:style>
+        </p:cxnSp>
+        <p:cxnSp>
+          <p:nvCxnSpPr>
+            <p:cNvPr id="35" name="Straight Arrow Connector 34">
+              <a:extLst>
+                <a:ext uri="{FF2B5EF4-FFF2-40B4-BE49-F238E27FC236}">
+                  <a16:creationId xmlns:a16="http://schemas.microsoft.com/office/drawing/2014/main" id="{15ECCCC7-6BBF-6AD5-BAE9-E090452D6AC2}"/>
+                </a:ext>
+              </a:extLst>
+            </p:cNvPr>
+            <p:cNvCxnSpPr>
+              <a:cxnSpLocks/>
+              <a:stCxn id="12" idx="2"/>
+              <a:endCxn id="11" idx="0"/>
+            </p:cNvCxnSpPr>
+            <p:nvPr/>
+          </p:nvCxnSpPr>
+          <p:spPr>
+            <a:xfrm>
+              <a:off x="3540561" y="6379023"/>
+              <a:ext cx="0" cy="353036"/>
+            </a:xfrm>
+            <a:prstGeom prst="straightConnector1">
+              <a:avLst/>
+            </a:prstGeom>
+            <a:ln>
+              <a:solidFill>
+                <a:schemeClr val="tx1"/>
+              </a:solidFill>
+              <a:tailEnd type="triangle"/>
+            </a:ln>
+          </p:spPr>
+          <p:style>
+            <a:lnRef idx="1">
+              <a:schemeClr val="accent1"/>
+            </a:lnRef>
+            <a:fillRef idx="0">
+              <a:schemeClr val="accent1"/>
+            </a:fillRef>
+            <a:effectRef idx="0">
+              <a:schemeClr val="accent1"/>
+            </a:effectRef>
+            <a:fontRef idx="minor">
+              <a:schemeClr val="tx1"/>
+            </a:fontRef>
+          </p:style>
+        </p:cxnSp>
+        <p:cxnSp>
+          <p:nvCxnSpPr>
+            <p:cNvPr id="38" name="Straight Arrow Connector 37">
+              <a:extLst>
+                <a:ext uri="{FF2B5EF4-FFF2-40B4-BE49-F238E27FC236}">
+                  <a16:creationId xmlns:a16="http://schemas.microsoft.com/office/drawing/2014/main" id="{250E5814-489F-E7F0-3C9D-C46950507D92}"/>
+                </a:ext>
+              </a:extLst>
+            </p:cNvPr>
+            <p:cNvCxnSpPr>
+              <a:cxnSpLocks/>
+              <a:stCxn id="11" idx="2"/>
+              <a:endCxn id="17" idx="0"/>
+            </p:cNvCxnSpPr>
+            <p:nvPr/>
+          </p:nvCxnSpPr>
+          <p:spPr>
+            <a:xfrm>
+              <a:off x="3540561" y="7452059"/>
+              <a:ext cx="0" cy="450000"/>
+            </a:xfrm>
+            <a:prstGeom prst="straightConnector1">
+              <a:avLst/>
+            </a:prstGeom>
+            <a:ln>
+              <a:solidFill>
+                <a:schemeClr val="tx1"/>
+              </a:solidFill>
+              <a:tailEnd type="triangle"/>
+            </a:ln>
+          </p:spPr>
+          <p:style>
+            <a:lnRef idx="1">
+              <a:schemeClr val="accent1"/>
+            </a:lnRef>
+            <a:fillRef idx="0">
+              <a:schemeClr val="accent1"/>
+            </a:fillRef>
+            <a:effectRef idx="0">
+              <a:schemeClr val="accent1"/>
+            </a:effectRef>
+            <a:fontRef idx="minor">
+              <a:schemeClr val="tx1"/>
+            </a:fontRef>
+          </p:style>
+        </p:cxnSp>
+        <p:cxnSp>
+          <p:nvCxnSpPr>
+            <p:cNvPr id="41" name="Straight Arrow Connector 40">
+              <a:extLst>
+                <a:ext uri="{FF2B5EF4-FFF2-40B4-BE49-F238E27FC236}">
+                  <a16:creationId xmlns:a16="http://schemas.microsoft.com/office/drawing/2014/main" id="{CEA18EFD-B97C-63C5-F62A-D8A1E4A32E56}"/>
+                </a:ext>
+              </a:extLst>
+            </p:cNvPr>
+            <p:cNvCxnSpPr>
+              <a:cxnSpLocks/>
+              <a:stCxn id="17" idx="2"/>
+            </p:cNvCxnSpPr>
+            <p:nvPr/>
+          </p:nvCxnSpPr>
+          <p:spPr>
+            <a:xfrm>
+              <a:off x="3540561" y="8622059"/>
+              <a:ext cx="3446" cy="488136"/>
+            </a:xfrm>
+            <a:prstGeom prst="straightConnector1">
+              <a:avLst/>
+            </a:prstGeom>
+            <a:ln>
+              <a:solidFill>
+                <a:schemeClr val="tx1"/>
+              </a:solidFill>
+              <a:tailEnd type="triangle"/>
+            </a:ln>
+          </p:spPr>
+          <p:style>
+            <a:lnRef idx="1">
+              <a:schemeClr val="accent1"/>
+            </a:lnRef>
+            <a:fillRef idx="0">
+              <a:schemeClr val="accent1"/>
+            </a:fillRef>
+            <a:effectRef idx="0">
+              <a:schemeClr val="accent1"/>
+            </a:effectRef>
+            <a:fontRef idx="minor">
+              <a:schemeClr val="tx1"/>
+            </a:fontRef>
+          </p:style>
+        </p:cxnSp>
+        <p:cxnSp>
+          <p:nvCxnSpPr>
+            <p:cNvPr id="43" name="Straight Arrow Connector 42">
+              <a:extLst>
+                <a:ext uri="{FF2B5EF4-FFF2-40B4-BE49-F238E27FC236}">
+                  <a16:creationId xmlns:a16="http://schemas.microsoft.com/office/drawing/2014/main" id="{ABDCAEF4-F9D5-BA26-0423-97BAAE1BF8BF}"/>
+                </a:ext>
+              </a:extLst>
+            </p:cNvPr>
+            <p:cNvCxnSpPr>
+              <a:cxnSpLocks/>
+            </p:cNvCxnSpPr>
+            <p:nvPr/>
+          </p:nvCxnSpPr>
+          <p:spPr>
+            <a:xfrm>
+              <a:off x="3534915" y="9839301"/>
+              <a:ext cx="3446" cy="488136"/>
+            </a:xfrm>
+            <a:prstGeom prst="straightConnector1">
+              <a:avLst/>
+            </a:prstGeom>
+            <a:ln>
+              <a:solidFill>
+                <a:schemeClr val="tx1"/>
+              </a:solidFill>
+              <a:tailEnd type="triangle"/>
+            </a:ln>
+          </p:spPr>
+          <p:style>
+            <a:lnRef idx="1">
+              <a:schemeClr val="accent1"/>
+            </a:lnRef>
+            <a:fillRef idx="0">
+              <a:schemeClr val="accent1"/>
+            </a:fillRef>
+            <a:effectRef idx="0">
+              <a:schemeClr val="accent1"/>
+            </a:effectRef>
+            <a:fontRef idx="minor">
+              <a:schemeClr val="tx1"/>
+            </a:fontRef>
+          </p:style>
+        </p:cxnSp>
+        <p:cxnSp>
+          <p:nvCxnSpPr>
+            <p:cNvPr id="44" name="Straight Arrow Connector 43">
+              <a:extLst>
+                <a:ext uri="{FF2B5EF4-FFF2-40B4-BE49-F238E27FC236}">
+                  <a16:creationId xmlns:a16="http://schemas.microsoft.com/office/drawing/2014/main" id="{09E22613-5042-77CA-4742-9DF516457A2A}"/>
+                </a:ext>
+              </a:extLst>
+            </p:cNvPr>
+            <p:cNvCxnSpPr>
+              <a:cxnSpLocks/>
+            </p:cNvCxnSpPr>
+            <p:nvPr/>
+          </p:nvCxnSpPr>
+          <p:spPr>
+            <a:xfrm>
+              <a:off x="3542284" y="11018772"/>
+              <a:ext cx="3446" cy="488136"/>
+            </a:xfrm>
+            <a:prstGeom prst="straightConnector1">
+              <a:avLst/>
+            </a:prstGeom>
+            <a:ln>
+              <a:solidFill>
+                <a:schemeClr val="tx1"/>
+              </a:solidFill>
+              <a:tailEnd type="triangle"/>
+            </a:ln>
+          </p:spPr>
+          <p:style>
+            <a:lnRef idx="1">
+              <a:schemeClr val="accent1"/>
+            </a:lnRef>
+            <a:fillRef idx="0">
+              <a:schemeClr val="accent1"/>
+            </a:fillRef>
+            <a:effectRef idx="0">
+              <a:schemeClr val="accent1"/>
+            </a:effectRef>
+            <a:fontRef idx="minor">
+              <a:schemeClr val="tx1"/>
+            </a:fontRef>
+          </p:style>
+        </p:cxnSp>
+        <p:cxnSp>
+          <p:nvCxnSpPr>
+            <p:cNvPr id="45" name="Straight Arrow Connector 44">
+              <a:extLst>
+                <a:ext uri="{FF2B5EF4-FFF2-40B4-BE49-F238E27FC236}">
+                  <a16:creationId xmlns:a16="http://schemas.microsoft.com/office/drawing/2014/main" id="{388ECF12-8992-9E0D-4639-4BAA11521FE7}"/>
+                </a:ext>
+              </a:extLst>
+            </p:cNvPr>
+            <p:cNvCxnSpPr>
+              <a:cxnSpLocks/>
+            </p:cNvCxnSpPr>
+            <p:nvPr/>
+          </p:nvCxnSpPr>
+          <p:spPr>
+            <a:xfrm>
+              <a:off x="3557261" y="12175758"/>
+              <a:ext cx="3446" cy="488136"/>
+            </a:xfrm>
+            <a:prstGeom prst="straightConnector1">
+              <a:avLst/>
+            </a:prstGeom>
+            <a:ln>
+              <a:solidFill>
+                <a:schemeClr val="tx1"/>
+              </a:solidFill>
+              <a:tailEnd type="triangle"/>
+            </a:ln>
+          </p:spPr>
+          <p:style>
+            <a:lnRef idx="1">
+              <a:schemeClr val="accent1"/>
+            </a:lnRef>
+            <a:fillRef idx="0">
+              <a:schemeClr val="accent1"/>
+            </a:fillRef>
+            <a:effectRef idx="0">
+              <a:schemeClr val="accent1"/>
+            </a:effectRef>
+            <a:fontRef idx="minor">
+              <a:schemeClr val="tx1"/>
+            </a:fontRef>
+          </p:style>
+        </p:cxnSp>
+        <p:cxnSp>
+          <p:nvCxnSpPr>
+            <p:cNvPr id="46" name="Straight Arrow Connector 45">
+              <a:extLst>
+                <a:ext uri="{FF2B5EF4-FFF2-40B4-BE49-F238E27FC236}">
+                  <a16:creationId xmlns:a16="http://schemas.microsoft.com/office/drawing/2014/main" id="{5CCE69BC-17E9-9840-698B-1EFFDBB55A1E}"/>
+                </a:ext>
+              </a:extLst>
+            </p:cNvPr>
+            <p:cNvCxnSpPr>
+              <a:cxnSpLocks/>
+            </p:cNvCxnSpPr>
+            <p:nvPr/>
+          </p:nvCxnSpPr>
+          <p:spPr>
+            <a:xfrm flipH="1">
+              <a:off x="6866522" y="1198977"/>
+              <a:ext cx="495331" cy="0"/>
+            </a:xfrm>
+            <a:prstGeom prst="straightConnector1">
+              <a:avLst/>
+            </a:prstGeom>
+            <a:ln>
+              <a:solidFill>
+                <a:schemeClr val="tx1"/>
+              </a:solidFill>
+              <a:tailEnd type="triangle"/>
+            </a:ln>
+          </p:spPr>
+          <p:style>
+            <a:lnRef idx="1">
+              <a:schemeClr val="accent1"/>
+            </a:lnRef>
+            <a:fillRef idx="0">
+              <a:schemeClr val="accent1"/>
+            </a:fillRef>
+            <a:effectRef idx="0">
+              <a:schemeClr val="accent1"/>
+            </a:effectRef>
+            <a:fontRef idx="minor">
+              <a:schemeClr val="tx1"/>
+            </a:fontRef>
+          </p:style>
+        </p:cxnSp>
+        <p:cxnSp>
+          <p:nvCxnSpPr>
+            <p:cNvPr id="49" name="Straight Connector 48">
+              <a:extLst>
+                <a:ext uri="{FF2B5EF4-FFF2-40B4-BE49-F238E27FC236}">
+                  <a16:creationId xmlns:a16="http://schemas.microsoft.com/office/drawing/2014/main" id="{E7AECD3F-90C2-84D2-7637-B41964043F26}"/>
+                </a:ext>
+              </a:extLst>
+            </p:cNvPr>
+            <p:cNvCxnSpPr>
+              <a:cxnSpLocks/>
+              <a:stCxn id="9" idx="3"/>
+            </p:cNvCxnSpPr>
+            <p:nvPr/>
+          </p:nvCxnSpPr>
+          <p:spPr>
+            <a:xfrm>
+              <a:off x="6866522" y="2406521"/>
+              <a:ext cx="540000" cy="0"/>
+            </a:xfrm>
+            <a:prstGeom prst="line">
+              <a:avLst/>
+            </a:prstGeom>
+          </p:spPr>
+          <p:style>
+            <a:lnRef idx="1">
+              <a:schemeClr val="dk1"/>
+            </a:lnRef>
+            <a:fillRef idx="0">
+              <a:schemeClr val="dk1"/>
+            </a:fillRef>
+            <a:effectRef idx="0">
+              <a:schemeClr val="dk1"/>
+            </a:effectRef>
+            <a:fontRef idx="minor">
+              <a:schemeClr val="tx1"/>
+            </a:fontRef>
+          </p:style>
+        </p:cxnSp>
+        <p:cxnSp>
+          <p:nvCxnSpPr>
+            <p:cNvPr id="50" name="Straight Connector 49">
+              <a:extLst>
+                <a:ext uri="{FF2B5EF4-FFF2-40B4-BE49-F238E27FC236}">
+                  <a16:creationId xmlns:a16="http://schemas.microsoft.com/office/drawing/2014/main" id="{39EE00DC-B244-9343-4649-6F42E308D070}"/>
+                </a:ext>
+              </a:extLst>
+            </p:cNvPr>
+            <p:cNvCxnSpPr>
+              <a:cxnSpLocks/>
+            </p:cNvCxnSpPr>
+            <p:nvPr/>
+          </p:nvCxnSpPr>
+          <p:spPr>
+            <a:xfrm rot="180000" flipH="1" flipV="1">
+              <a:off x="7344308" y="1198976"/>
+              <a:ext cx="83976" cy="1207544"/>
+            </a:xfrm>
+            <a:prstGeom prst="line">
+              <a:avLst/>
+            </a:prstGeom>
+          </p:spPr>
+          <p:style>
+            <a:lnRef idx="1">
+              <a:schemeClr val="dk1"/>
+            </a:lnRef>
+            <a:fillRef idx="0">
+              <a:schemeClr val="dk1"/>
+            </a:fillRef>
+            <a:effectRef idx="0">
+              <a:schemeClr val="dk1"/>
+            </a:effectRef>
+            <a:fontRef idx="minor">
+              <a:schemeClr val="tx1"/>
+            </a:fontRef>
+          </p:style>
+        </p:cxnSp>
+        <p:cxnSp>
+          <p:nvCxnSpPr>
+            <p:cNvPr id="57" name="Straight Arrow Connector 56">
+              <a:extLst>
+                <a:ext uri="{FF2B5EF4-FFF2-40B4-BE49-F238E27FC236}">
+                  <a16:creationId xmlns:a16="http://schemas.microsoft.com/office/drawing/2014/main" id="{7ED99CAF-04F6-66E9-95BC-8C7DF831E2EF}"/>
+                </a:ext>
+              </a:extLst>
+            </p:cNvPr>
+            <p:cNvCxnSpPr>
+              <a:cxnSpLocks/>
+            </p:cNvCxnSpPr>
+            <p:nvPr/>
+          </p:nvCxnSpPr>
+          <p:spPr>
+            <a:xfrm flipV="1">
+              <a:off x="2120787" y="2433044"/>
+              <a:ext cx="495331" cy="0"/>
+            </a:xfrm>
+            <a:prstGeom prst="straightConnector1">
+              <a:avLst/>
+            </a:prstGeom>
+            <a:ln>
+              <a:solidFill>
+                <a:schemeClr val="tx1"/>
+              </a:solidFill>
+              <a:tailEnd type="triangle"/>
+            </a:ln>
+          </p:spPr>
+          <p:style>
+            <a:lnRef idx="1">
+              <a:schemeClr val="accent1"/>
+            </a:lnRef>
+            <a:fillRef idx="0">
+              <a:schemeClr val="accent1"/>
+            </a:fillRef>
+            <a:effectRef idx="0">
+              <a:schemeClr val="accent1"/>
+            </a:effectRef>
+            <a:fontRef idx="minor">
+              <a:schemeClr val="tx1"/>
+            </a:fontRef>
+          </p:style>
+        </p:cxnSp>
+        <p:cxnSp>
+          <p:nvCxnSpPr>
+            <p:cNvPr id="58" name="Straight Connector 57">
+              <a:extLst>
+                <a:ext uri="{FF2B5EF4-FFF2-40B4-BE49-F238E27FC236}">
+                  <a16:creationId xmlns:a16="http://schemas.microsoft.com/office/drawing/2014/main" id="{879892BD-8CFC-04DD-0BF1-5E928DDC749B}"/>
+                </a:ext>
+              </a:extLst>
+            </p:cNvPr>
+            <p:cNvCxnSpPr>
+              <a:cxnSpLocks/>
+            </p:cNvCxnSpPr>
+            <p:nvPr/>
+          </p:nvCxnSpPr>
+          <p:spPr>
+            <a:xfrm flipH="1" flipV="1">
+              <a:off x="2120787" y="3640588"/>
+              <a:ext cx="540000" cy="0"/>
+            </a:xfrm>
+            <a:prstGeom prst="line">
+              <a:avLst/>
+            </a:prstGeom>
+          </p:spPr>
+          <p:style>
+            <a:lnRef idx="1">
+              <a:schemeClr val="dk1"/>
+            </a:lnRef>
+            <a:fillRef idx="0">
+              <a:schemeClr val="dk1"/>
+            </a:fillRef>
+            <a:effectRef idx="0">
+              <a:schemeClr val="dk1"/>
+            </a:effectRef>
+            <a:fontRef idx="minor">
+              <a:schemeClr val="tx1"/>
+            </a:fontRef>
+          </p:style>
+        </p:cxnSp>
+        <p:cxnSp>
+          <p:nvCxnSpPr>
+            <p:cNvPr id="59" name="Straight Connector 58">
+              <a:extLst>
+                <a:ext uri="{FF2B5EF4-FFF2-40B4-BE49-F238E27FC236}">
+                  <a16:creationId xmlns:a16="http://schemas.microsoft.com/office/drawing/2014/main" id="{A0862026-CEF3-EB53-D728-FC3554F73EAB}"/>
+                </a:ext>
+              </a:extLst>
+            </p:cNvPr>
+            <p:cNvCxnSpPr>
+              <a:cxnSpLocks/>
+            </p:cNvCxnSpPr>
+            <p:nvPr/>
+          </p:nvCxnSpPr>
+          <p:spPr>
+            <a:xfrm rot="180000">
+              <a:off x="2082347" y="2434415"/>
+              <a:ext cx="83976" cy="1207544"/>
+            </a:xfrm>
+            <a:prstGeom prst="line">
+              <a:avLst/>
+            </a:prstGeom>
+          </p:spPr>
+          <p:style>
+            <a:lnRef idx="1">
+              <a:schemeClr val="dk1"/>
+            </a:lnRef>
+            <a:fillRef idx="0">
+              <a:schemeClr val="dk1"/>
+            </a:fillRef>
+            <a:effectRef idx="0">
+              <a:schemeClr val="dk1"/>
+            </a:effectRef>
+            <a:fontRef idx="minor">
+              <a:schemeClr val="tx1"/>
+            </a:fontRef>
+          </p:style>
+        </p:cxnSp>
+        <p:cxnSp>
+          <p:nvCxnSpPr>
+            <p:cNvPr id="60" name="Straight Arrow Connector 59">
+              <a:extLst>
+                <a:ext uri="{FF2B5EF4-FFF2-40B4-BE49-F238E27FC236}">
+                  <a16:creationId xmlns:a16="http://schemas.microsoft.com/office/drawing/2014/main" id="{41F8AD1C-B039-F68B-9BE4-51570341FF3F}"/>
+                </a:ext>
+              </a:extLst>
+            </p:cNvPr>
+            <p:cNvCxnSpPr>
+              <a:cxnSpLocks/>
+            </p:cNvCxnSpPr>
+            <p:nvPr/>
+          </p:nvCxnSpPr>
+          <p:spPr>
+            <a:xfrm flipV="1">
+              <a:off x="2115445" y="4817888"/>
+              <a:ext cx="495331" cy="0"/>
+            </a:xfrm>
+            <a:prstGeom prst="straightConnector1">
+              <a:avLst/>
+            </a:prstGeom>
+            <a:ln>
+              <a:solidFill>
+                <a:schemeClr val="tx1"/>
+              </a:solidFill>
+              <a:tailEnd type="triangle"/>
+            </a:ln>
+          </p:spPr>
+          <p:style>
+            <a:lnRef idx="1">
+              <a:schemeClr val="accent1"/>
+            </a:lnRef>
+            <a:fillRef idx="0">
+              <a:schemeClr val="accent1"/>
+            </a:fillRef>
+            <a:effectRef idx="0">
+              <a:schemeClr val="accent1"/>
+            </a:effectRef>
+            <a:fontRef idx="minor">
+              <a:schemeClr val="tx1"/>
+            </a:fontRef>
+          </p:style>
+        </p:cxnSp>
+        <p:cxnSp>
+          <p:nvCxnSpPr>
+            <p:cNvPr id="61" name="Straight Connector 60">
+              <a:extLst>
+                <a:ext uri="{FF2B5EF4-FFF2-40B4-BE49-F238E27FC236}">
+                  <a16:creationId xmlns:a16="http://schemas.microsoft.com/office/drawing/2014/main" id="{19D8FFBA-B5C5-9B0A-D202-08D919D96EE6}"/>
+                </a:ext>
+              </a:extLst>
+            </p:cNvPr>
+            <p:cNvCxnSpPr>
+              <a:cxnSpLocks/>
+            </p:cNvCxnSpPr>
+            <p:nvPr/>
+          </p:nvCxnSpPr>
+          <p:spPr>
+            <a:xfrm flipH="1" flipV="1">
+              <a:off x="2115445" y="6025432"/>
+              <a:ext cx="540000" cy="0"/>
+            </a:xfrm>
+            <a:prstGeom prst="line">
+              <a:avLst/>
+            </a:prstGeom>
+          </p:spPr>
+          <p:style>
+            <a:lnRef idx="1">
+              <a:schemeClr val="dk1"/>
+            </a:lnRef>
+            <a:fillRef idx="0">
+              <a:schemeClr val="dk1"/>
+            </a:fillRef>
+            <a:effectRef idx="0">
+              <a:schemeClr val="dk1"/>
+            </a:effectRef>
+            <a:fontRef idx="minor">
+              <a:schemeClr val="tx1"/>
+            </a:fontRef>
+          </p:style>
+        </p:cxnSp>
+        <p:cxnSp>
+          <p:nvCxnSpPr>
+            <p:cNvPr id="62" name="Straight Connector 61">
+              <a:extLst>
+                <a:ext uri="{FF2B5EF4-FFF2-40B4-BE49-F238E27FC236}">
+                  <a16:creationId xmlns:a16="http://schemas.microsoft.com/office/drawing/2014/main" id="{76E8E137-F5BF-74CE-9C57-FA6B2B9BE921}"/>
+                </a:ext>
+              </a:extLst>
+            </p:cNvPr>
+            <p:cNvCxnSpPr>
+              <a:cxnSpLocks/>
+            </p:cNvCxnSpPr>
+            <p:nvPr/>
+          </p:nvCxnSpPr>
+          <p:spPr>
+            <a:xfrm rot="180000">
+              <a:off x="2077005" y="4819259"/>
+              <a:ext cx="83976" cy="1207544"/>
+            </a:xfrm>
+            <a:prstGeom prst="line">
+              <a:avLst/>
+            </a:prstGeom>
+          </p:spPr>
+          <p:style>
+            <a:lnRef idx="1">
+              <a:schemeClr val="dk1"/>
+            </a:lnRef>
+            <a:fillRef idx="0">
+              <a:schemeClr val="dk1"/>
+            </a:fillRef>
+            <a:effectRef idx="0">
+              <a:schemeClr val="dk1"/>
+            </a:effectRef>
+            <a:fontRef idx="minor">
+              <a:schemeClr val="tx1"/>
+            </a:fontRef>
+          </p:style>
+        </p:cxnSp>
+        <p:cxnSp>
+          <p:nvCxnSpPr>
+            <p:cNvPr id="63" name="Straight Arrow Connector 62">
+              <a:extLst>
+                <a:ext uri="{FF2B5EF4-FFF2-40B4-BE49-F238E27FC236}">
+                  <a16:creationId xmlns:a16="http://schemas.microsoft.com/office/drawing/2014/main" id="{18885A23-DF33-1632-ED00-A3406BC15042}"/>
+                </a:ext>
+              </a:extLst>
+            </p:cNvPr>
+            <p:cNvCxnSpPr>
+              <a:cxnSpLocks/>
+            </p:cNvCxnSpPr>
+            <p:nvPr/>
+          </p:nvCxnSpPr>
+          <p:spPr>
+            <a:xfrm flipV="1">
+              <a:off x="2160114" y="10688966"/>
+              <a:ext cx="495331" cy="0"/>
+            </a:xfrm>
+            <a:prstGeom prst="straightConnector1">
+              <a:avLst/>
+            </a:prstGeom>
+            <a:ln>
+              <a:solidFill>
+                <a:schemeClr val="tx1"/>
+              </a:solidFill>
+              <a:tailEnd type="triangle"/>
+            </a:ln>
+          </p:spPr>
+          <p:style>
+            <a:lnRef idx="1">
+              <a:schemeClr val="accent1"/>
+            </a:lnRef>
+            <a:fillRef idx="0">
+              <a:schemeClr val="accent1"/>
+            </a:fillRef>
+            <a:effectRef idx="0">
+              <a:schemeClr val="accent1"/>
+            </a:effectRef>
+            <a:fontRef idx="minor">
+              <a:schemeClr val="tx1"/>
+            </a:fontRef>
+          </p:style>
+        </p:cxnSp>
+        <p:cxnSp>
+          <p:nvCxnSpPr>
+            <p:cNvPr id="64" name="Straight Connector 63">
+              <a:extLst>
+                <a:ext uri="{FF2B5EF4-FFF2-40B4-BE49-F238E27FC236}">
+                  <a16:creationId xmlns:a16="http://schemas.microsoft.com/office/drawing/2014/main" id="{714A3215-E00D-1AD0-E3C1-C49E4AA1CD58}"/>
+                </a:ext>
+              </a:extLst>
+            </p:cNvPr>
+            <p:cNvCxnSpPr>
+              <a:cxnSpLocks/>
+            </p:cNvCxnSpPr>
+            <p:nvPr/>
+          </p:nvCxnSpPr>
+          <p:spPr>
+            <a:xfrm flipH="1">
+              <a:off x="2187371" y="8262059"/>
+              <a:ext cx="468074" cy="0"/>
+            </a:xfrm>
+            <a:prstGeom prst="line">
+              <a:avLst/>
+            </a:prstGeom>
+          </p:spPr>
+          <p:style>
+            <a:lnRef idx="1">
+              <a:schemeClr val="dk1"/>
+            </a:lnRef>
+            <a:fillRef idx="0">
+              <a:schemeClr val="dk1"/>
+            </a:fillRef>
+            <a:effectRef idx="0">
+              <a:schemeClr val="dk1"/>
+            </a:effectRef>
+            <a:fontRef idx="minor">
+              <a:schemeClr val="tx1"/>
+            </a:fontRef>
+          </p:style>
+        </p:cxnSp>
+        <p:cxnSp>
+          <p:nvCxnSpPr>
+            <p:cNvPr id="65" name="Straight Connector 64">
+              <a:extLst>
+                <a:ext uri="{FF2B5EF4-FFF2-40B4-BE49-F238E27FC236}">
+                  <a16:creationId xmlns:a16="http://schemas.microsoft.com/office/drawing/2014/main" id="{0ECB8C32-4BED-337D-532D-EBB10042577F}"/>
+                </a:ext>
+              </a:extLst>
+            </p:cNvPr>
+            <p:cNvCxnSpPr>
+              <a:cxnSpLocks/>
+            </p:cNvCxnSpPr>
+            <p:nvPr/>
+          </p:nvCxnSpPr>
+          <p:spPr>
+            <a:xfrm>
+              <a:off x="2187371" y="8262059"/>
+              <a:ext cx="0" cy="2459996"/>
+            </a:xfrm>
+            <a:prstGeom prst="line">
+              <a:avLst/>
+            </a:prstGeom>
+          </p:spPr>
+          <p:style>
+            <a:lnRef idx="1">
+              <a:schemeClr val="dk1"/>
+            </a:lnRef>
+            <a:fillRef idx="0">
+              <a:schemeClr val="dk1"/>
+            </a:fillRef>
+            <a:effectRef idx="0">
+              <a:schemeClr val="dk1"/>
+            </a:effectRef>
+            <a:fontRef idx="minor">
+              <a:schemeClr val="tx1"/>
+            </a:fontRef>
+          </p:style>
+        </p:cxnSp>
+        <p:cxnSp>
+          <p:nvCxnSpPr>
+            <p:cNvPr id="68" name="Straight Arrow Connector 67">
+              <a:extLst>
+                <a:ext uri="{FF2B5EF4-FFF2-40B4-BE49-F238E27FC236}">
+                  <a16:creationId xmlns:a16="http://schemas.microsoft.com/office/drawing/2014/main" id="{77FBFDEA-4611-1639-51A8-B210BC4D08CA}"/>
+                </a:ext>
+              </a:extLst>
+            </p:cNvPr>
+            <p:cNvCxnSpPr>
+              <a:cxnSpLocks/>
+            </p:cNvCxnSpPr>
+            <p:nvPr/>
+          </p:nvCxnSpPr>
+          <p:spPr>
+            <a:xfrm flipH="1" flipV="1">
+              <a:off x="4429753" y="13104255"/>
+              <a:ext cx="495331" cy="0"/>
+            </a:xfrm>
+            <a:prstGeom prst="straightConnector1">
+              <a:avLst/>
+            </a:prstGeom>
+            <a:ln>
+              <a:solidFill>
+                <a:schemeClr val="tx1"/>
+              </a:solidFill>
+              <a:tailEnd type="triangle"/>
+            </a:ln>
+          </p:spPr>
+          <p:style>
+            <a:lnRef idx="1">
+              <a:schemeClr val="accent1"/>
+            </a:lnRef>
+            <a:fillRef idx="0">
+              <a:schemeClr val="accent1"/>
+            </a:fillRef>
+            <a:effectRef idx="0">
+              <a:schemeClr val="accent1"/>
+            </a:effectRef>
+            <a:fontRef idx="minor">
+              <a:schemeClr val="tx1"/>
+            </a:fontRef>
+          </p:style>
+        </p:cxnSp>
+        <p:cxnSp>
+          <p:nvCxnSpPr>
+            <p:cNvPr id="69" name="Straight Connector 68">
+              <a:extLst>
+                <a:ext uri="{FF2B5EF4-FFF2-40B4-BE49-F238E27FC236}">
+                  <a16:creationId xmlns:a16="http://schemas.microsoft.com/office/drawing/2014/main" id="{99944FF5-A9CB-4CD2-5A1A-866AFC740F95}"/>
+                </a:ext>
+              </a:extLst>
+            </p:cNvPr>
+            <p:cNvCxnSpPr>
+              <a:cxnSpLocks/>
+            </p:cNvCxnSpPr>
+            <p:nvPr/>
+          </p:nvCxnSpPr>
+          <p:spPr>
+            <a:xfrm>
+              <a:off x="4457010" y="10677348"/>
+              <a:ext cx="468074" cy="0"/>
+            </a:xfrm>
+            <a:prstGeom prst="line">
+              <a:avLst/>
+            </a:prstGeom>
+          </p:spPr>
+          <p:style>
+            <a:lnRef idx="1">
+              <a:schemeClr val="dk1"/>
+            </a:lnRef>
+            <a:fillRef idx="0">
+              <a:schemeClr val="dk1"/>
+            </a:fillRef>
+            <a:effectRef idx="0">
+              <a:schemeClr val="dk1"/>
+            </a:effectRef>
+            <a:fontRef idx="minor">
+              <a:schemeClr val="tx1"/>
+            </a:fontRef>
+          </p:style>
+        </p:cxnSp>
+        <p:cxnSp>
+          <p:nvCxnSpPr>
+            <p:cNvPr id="70" name="Straight Connector 69">
+              <a:extLst>
+                <a:ext uri="{FF2B5EF4-FFF2-40B4-BE49-F238E27FC236}">
+                  <a16:creationId xmlns:a16="http://schemas.microsoft.com/office/drawing/2014/main" id="{4B98A595-796E-3FF1-9237-CFA057E08D9D}"/>
+                </a:ext>
+              </a:extLst>
+            </p:cNvPr>
+            <p:cNvCxnSpPr>
+              <a:cxnSpLocks/>
+            </p:cNvCxnSpPr>
+            <p:nvPr/>
+          </p:nvCxnSpPr>
+          <p:spPr>
+            <a:xfrm flipH="1">
+              <a:off x="4925084" y="10688966"/>
+              <a:ext cx="0" cy="2459996"/>
+            </a:xfrm>
+            <a:prstGeom prst="line">
+              <a:avLst/>
+            </a:prstGeom>
+          </p:spPr>
+          <p:style>
+            <a:lnRef idx="1">
+              <a:schemeClr val="dk1"/>
+            </a:lnRef>
+            <a:fillRef idx="0">
+              <a:schemeClr val="dk1"/>
+            </a:fillRef>
+            <a:effectRef idx="0">
+              <a:schemeClr val="dk1"/>
+            </a:effectRef>
+            <a:fontRef idx="minor">
+              <a:schemeClr val="tx1"/>
+            </a:fontRef>
+          </p:style>
+        </p:cxnSp>
+      </p:grpSp>
+    </p:spTree>
+    <p:extLst>
+      <p:ext uri="{BB962C8B-B14F-4D97-AF65-F5344CB8AC3E}">
+        <p14:creationId xmlns:p14="http://schemas.microsoft.com/office/powerpoint/2010/main" val="1649129336"/>
+      </p:ext>
+    </p:extLst>
+  </p:cSld>
+  <p:clrMapOvr>
+    <a:masterClrMapping/>
+  </p:clrMapOvr>
+</p:sld>
+</file>
+
+<file path=ppt/slides/slide4.xml><?xml version="1.0" encoding="utf-8"?>
+<p:sld xmlns:a="http://schemas.openxmlformats.org/drawingml/2006/main" xmlns:r="http://schemas.openxmlformats.org/officeDocument/2006/relationships" xmlns:p="http://schemas.openxmlformats.org/presentationml/2006/main">
+  <p:cSld>
+    <p:spTree>
+      <p:nvGrpSpPr>
+        <p:cNvPr id="1" name=""/>
+        <p:cNvGrpSpPr/>
+        <p:nvPr/>
+      </p:nvGrpSpPr>
+      <p:grpSpPr>
+        <a:xfrm>
+          <a:off x="0" y="0"/>
+          <a:ext cx="0" cy="0"/>
+          <a:chOff x="0" y="0"/>
+          <a:chExt cx="0" cy="0"/>
+        </a:xfrm>
+      </p:grpSpPr>
+      <p:sp>
+        <p:nvSpPr>
+          <p:cNvPr id="2" name="Title 1">
+            <a:extLst>
+              <a:ext uri="{FF2B5EF4-FFF2-40B4-BE49-F238E27FC236}">
+                <a16:creationId xmlns:a16="http://schemas.microsoft.com/office/drawing/2014/main" id="{65906148-CDFE-6553-372F-A143D81320FC}"/>
+              </a:ext>
+            </a:extLst>
+          </p:cNvPr>
+          <p:cNvSpPr>
+            <a:spLocks noGrp="1"/>
+          </p:cNvSpPr>
+          <p:nvPr>
+            <p:ph type="title"/>
+          </p:nvPr>
+        </p:nvSpPr>
+        <p:spPr/>
+        <p:txBody>
+          <a:bodyPr/>
+          <a:lstStyle/>
+          <a:p>
+            <a:endParaRPr lang="en-GB"/>
+          </a:p>
+        </p:txBody>
+      </p:sp>
+      <p:sp>
+        <p:nvSpPr>
+          <p:cNvPr id="3" name="Content Placeholder 2">
+            <a:extLst>
+              <a:ext uri="{FF2B5EF4-FFF2-40B4-BE49-F238E27FC236}">
+                <a16:creationId xmlns:a16="http://schemas.microsoft.com/office/drawing/2014/main" id="{B5342133-E7CD-F174-1092-34D82860E7B6}"/>
+              </a:ext>
+            </a:extLst>
+          </p:cNvPr>
+          <p:cNvSpPr>
+            <a:spLocks noGrp="1"/>
+          </p:cNvSpPr>
+          <p:nvPr>
+            <p:ph idx="1"/>
+          </p:nvPr>
+        </p:nvSpPr>
+        <p:spPr/>
+        <p:txBody>
+          <a:bodyPr/>
+          <a:lstStyle/>
+          <a:p>
+            <a:endParaRPr lang="en-GB"/>
+          </a:p>
+        </p:txBody>
+      </p:sp>
+    </p:spTree>
+    <p:extLst>
+      <p:ext uri="{BB962C8B-B14F-4D97-AF65-F5344CB8AC3E}">
+        <p14:creationId xmlns:p14="http://schemas.microsoft.com/office/powerpoint/2010/main" val="530346101"/>
       </p:ext>
     </p:extLst>
   </p:cSld>
